--- a/manu & slides/Experiences in Takeda.pptx
+++ b/manu & slides/Experiences in Takeda.pptx
@@ -8,9 +8,11 @@
     <p:sldId id="257" r:id="rId2"/>
     <p:sldId id="258" r:id="rId3"/>
     <p:sldId id="259" r:id="rId4"/>
-    <p:sldId id="260" r:id="rId5"/>
-    <p:sldId id="266" r:id="rId6"/>
-    <p:sldId id="265" r:id="rId7"/>
+    <p:sldId id="268" r:id="rId5"/>
+    <p:sldId id="267" r:id="rId6"/>
+    <p:sldId id="260" r:id="rId7"/>
+    <p:sldId id="266" r:id="rId8"/>
+    <p:sldId id="265" r:id="rId9"/>
   </p:sldIdLst>
   <p:sldSz cx="12192000" cy="6858000"/>
   <p:notesSz cx="6858000" cy="9144000"/>
@@ -109,7 +111,16 @@
       </a:defRPr>
     </a:lvl9pPr>
   </p:defaultTextStyle>
+  <p:extLst>
+    <p:ext uri="{EFAFB233-063F-42B5-8137-9DF3F51BA10A}">
+      <p15:sldGuideLst xmlns:p15="http://schemas.microsoft.com/office/powerpoint/2012/main"/>
+    </p:ext>
+  </p:extLst>
 </p:presentation>
+</file>
+
+<file path=ppt/revisionInfo.xml><?xml version="1.0" encoding="utf-8"?>
+<p1510:revInfo xmlns:a="http://schemas.openxmlformats.org/drawingml/2006/main" xmlns:r="http://schemas.openxmlformats.org/officeDocument/2006/relationships" xmlns:p1510="http://schemas.microsoft.com/office/powerpoint/2015/10/main"/>
 </file>
 
 <file path=ppt/slideLayouts/slideLayout1.xml><?xml version="1.0" encoding="utf-8"?>
@@ -259,7 +270,7 @@
           <a:p>
             <a:fld id="{E3C92BFE-4E3A-4B1D-81FB-DE7EB3E30904}" type="datetimeFigureOut">
               <a:rPr lang="en-US" smtClean="0"/>
-              <a:t>8/9/2018</a:t>
+              <a:t>8/10/2018</a:t>
             </a:fld>
             <a:endParaRPr lang="en-US"/>
           </a:p>
@@ -457,7 +468,7 @@
           <a:p>
             <a:fld id="{E3C92BFE-4E3A-4B1D-81FB-DE7EB3E30904}" type="datetimeFigureOut">
               <a:rPr lang="en-US" smtClean="0"/>
-              <a:t>8/9/2018</a:t>
+              <a:t>8/10/2018</a:t>
             </a:fld>
             <a:endParaRPr lang="en-US"/>
           </a:p>
@@ -665,7 +676,7 @@
           <a:p>
             <a:fld id="{E3C92BFE-4E3A-4B1D-81FB-DE7EB3E30904}" type="datetimeFigureOut">
               <a:rPr lang="en-US" smtClean="0"/>
-              <a:t>8/9/2018</a:t>
+              <a:t>8/10/2018</a:t>
             </a:fld>
             <a:endParaRPr lang="en-US"/>
           </a:p>
@@ -1877,7 +1888,7 @@
             <a:fld id="{02A88367-5BB3-4793-B263-C2830A0855E0}" type="datetime1">
               <a:rPr kumimoji="1" lang="ja-JP" altLang="en-US" smtClean="0"/>
               <a:pPr/>
-              <a:t>2018/8/9</a:t>
+              <a:t>2018/8/10</a:t>
             </a:fld>
             <a:endParaRPr kumimoji="1" lang="ja-JP" altLang="en-US" dirty="0"/>
           </a:p>
@@ -2214,7 +2225,7 @@
           <a:p>
             <a:fld id="{E3C92BFE-4E3A-4B1D-81FB-DE7EB3E30904}" type="datetimeFigureOut">
               <a:rPr lang="en-US" smtClean="0"/>
-              <a:t>8/9/2018</a:t>
+              <a:t>8/10/2018</a:t>
             </a:fld>
             <a:endParaRPr lang="en-US"/>
           </a:p>
@@ -2489,7 +2500,7 @@
           <a:p>
             <a:fld id="{E3C92BFE-4E3A-4B1D-81FB-DE7EB3E30904}" type="datetimeFigureOut">
               <a:rPr lang="en-US" smtClean="0"/>
-              <a:t>8/9/2018</a:t>
+              <a:t>8/10/2018</a:t>
             </a:fld>
             <a:endParaRPr lang="en-US"/>
           </a:p>
@@ -2754,7 +2765,7 @@
           <a:p>
             <a:fld id="{E3C92BFE-4E3A-4B1D-81FB-DE7EB3E30904}" type="datetimeFigureOut">
               <a:rPr lang="en-US" smtClean="0"/>
-              <a:t>8/9/2018</a:t>
+              <a:t>8/10/2018</a:t>
             </a:fld>
             <a:endParaRPr lang="en-US"/>
           </a:p>
@@ -3166,7 +3177,7 @@
           <a:p>
             <a:fld id="{E3C92BFE-4E3A-4B1D-81FB-DE7EB3E30904}" type="datetimeFigureOut">
               <a:rPr lang="en-US" smtClean="0"/>
-              <a:t>8/9/2018</a:t>
+              <a:t>8/10/2018</a:t>
             </a:fld>
             <a:endParaRPr lang="en-US"/>
           </a:p>
@@ -3307,7 +3318,7 @@
           <a:p>
             <a:fld id="{E3C92BFE-4E3A-4B1D-81FB-DE7EB3E30904}" type="datetimeFigureOut">
               <a:rPr lang="en-US" smtClean="0"/>
-              <a:t>8/9/2018</a:t>
+              <a:t>8/10/2018</a:t>
             </a:fld>
             <a:endParaRPr lang="en-US"/>
           </a:p>
@@ -3420,7 +3431,7 @@
           <a:p>
             <a:fld id="{E3C92BFE-4E3A-4B1D-81FB-DE7EB3E30904}" type="datetimeFigureOut">
               <a:rPr lang="en-US" smtClean="0"/>
-              <a:t>8/9/2018</a:t>
+              <a:t>8/10/2018</a:t>
             </a:fld>
             <a:endParaRPr lang="en-US"/>
           </a:p>
@@ -3731,7 +3742,7 @@
           <a:p>
             <a:fld id="{E3C92BFE-4E3A-4B1D-81FB-DE7EB3E30904}" type="datetimeFigureOut">
               <a:rPr lang="en-US" smtClean="0"/>
-              <a:t>8/9/2018</a:t>
+              <a:t>8/10/2018</a:t>
             </a:fld>
             <a:endParaRPr lang="en-US"/>
           </a:p>
@@ -4019,7 +4030,7 @@
           <a:p>
             <a:fld id="{E3C92BFE-4E3A-4B1D-81FB-DE7EB3E30904}" type="datetimeFigureOut">
               <a:rPr lang="en-US" smtClean="0"/>
-              <a:t>8/9/2018</a:t>
+              <a:t>8/10/2018</a:t>
             </a:fld>
             <a:endParaRPr lang="en-US"/>
           </a:p>
@@ -4260,7 +4271,7 @@
           <a:p>
             <a:fld id="{E3C92BFE-4E3A-4B1D-81FB-DE7EB3E30904}" type="datetimeFigureOut">
               <a:rPr lang="en-US" smtClean="0"/>
-              <a:t>8/9/2018</a:t>
+              <a:t>8/10/2018</a:t>
             </a:fld>
             <a:endParaRPr lang="en-US"/>
           </a:p>
@@ -5139,6 +5150,14 @@
 <file path=ppt/slides/slide4.xml><?xml version="1.0" encoding="utf-8"?>
 <p:sld xmlns:a="http://schemas.openxmlformats.org/drawingml/2006/main" xmlns:r="http://schemas.openxmlformats.org/officeDocument/2006/relationships" xmlns:p="http://schemas.openxmlformats.org/presentationml/2006/main">
   <p:cSld>
+    <p:bg>
+      <p:bgPr>
+        <a:solidFill>
+          <a:schemeClr val="bg1"/>
+        </a:solidFill>
+        <a:effectLst/>
+      </p:bgPr>
+    </p:bg>
     <p:spTree>
       <p:nvGrpSpPr>
         <p:cNvPr id="1" name=""/>
@@ -5155,6 +5174,731 @@
       </p:grpSpPr>
       <p:sp>
         <p:nvSpPr>
+          <p:cNvPr id="71" name="Rectangle 70">
+            <a:extLst>
+              <a:ext uri="{FF2B5EF4-FFF2-40B4-BE49-F238E27FC236}">
+                <a16:creationId xmlns:a16="http://schemas.microsoft.com/office/drawing/2014/main" id="{AB45A142-4255-493C-8284-5D566C121B10}"/>
+              </a:ext>
+              <a:ext uri="{C183D7F6-B498-43B3-948B-1728B52AA6E4}">
+                <adec:decorative xmlns:adec="http://schemas.microsoft.com/office/drawing/2017/decorative" xmlns="" val="1"/>
+              </a:ext>
+            </a:extLst>
+          </p:cNvPr>
+          <p:cNvSpPr>
+            <a:spLocks noGrp="1" noRot="1" noChangeAspect="1" noMove="1" noResize="1" noEditPoints="1" noAdjustHandles="1" noChangeArrowheads="1" noChangeShapeType="1" noTextEdit="1"/>
+          </p:cNvSpPr>
+          <p:nvPr>
+            <p:extLst>
+              <p:ext uri="{386F3935-93C4-4BCD-93E2-E3B085C9AB24}">
+                <p16:designElem xmlns:p16="http://schemas.microsoft.com/office/powerpoint/2015/main" val="1"/>
+              </p:ext>
+            </p:extLst>
+          </p:nvPr>
+        </p:nvSpPr>
+        <p:spPr bwMode="ltGray">
+          <a:xfrm>
+            <a:off x="336884" y="321177"/>
+            <a:ext cx="4332307" cy="6179552"/>
+          </a:xfrm>
+          <a:prstGeom prst="rect">
+            <a:avLst/>
+          </a:prstGeom>
+          <a:solidFill>
+            <a:srgbClr val="404040">
+              <a:alpha val="89804"/>
+            </a:srgbClr>
+          </a:solidFill>
+          <a:ln w="127000" cap="sq" cmpd="thinThick">
+            <a:solidFill>
+              <a:srgbClr val="595959">
+                <a:alpha val="80000"/>
+              </a:srgbClr>
+            </a:solidFill>
+          </a:ln>
+        </p:spPr>
+        <p:style>
+          <a:lnRef idx="2">
+            <a:schemeClr val="accent1">
+              <a:shade val="50000"/>
+            </a:schemeClr>
+          </a:lnRef>
+          <a:fillRef idx="1">
+            <a:schemeClr val="accent1"/>
+          </a:fillRef>
+          <a:effectRef idx="0">
+            <a:schemeClr val="accent1"/>
+          </a:effectRef>
+          <a:fontRef idx="minor">
+            <a:schemeClr val="lt1"/>
+          </a:fontRef>
+        </p:style>
+        <p:txBody>
+          <a:bodyPr rtlCol="0" anchor="ctr"/>
+          <a:lstStyle/>
+          <a:p>
+            <a:pPr algn="ctr"/>
+            <a:endParaRPr lang="en-US"/>
+          </a:p>
+        </p:txBody>
+      </p:sp>
+      <p:sp>
+        <p:nvSpPr>
+          <p:cNvPr id="2" name="Title 1">
+            <a:extLst>
+              <a:ext uri="{FF2B5EF4-FFF2-40B4-BE49-F238E27FC236}">
+                <a16:creationId xmlns:a16="http://schemas.microsoft.com/office/drawing/2014/main" id="{EBD4C795-5948-4200-AF8A-A820B83B9F75}"/>
+              </a:ext>
+            </a:extLst>
+          </p:cNvPr>
+          <p:cNvSpPr>
+            <a:spLocks noGrp="1"/>
+          </p:cNvSpPr>
+          <p:nvPr>
+            <p:ph type="title"/>
+          </p:nvPr>
+        </p:nvSpPr>
+        <p:spPr>
+          <a:xfrm>
+            <a:off x="674237" y="914400"/>
+            <a:ext cx="3657600" cy="2887579"/>
+          </a:xfrm>
+        </p:spPr>
+        <p:txBody>
+          <a:bodyPr vert="horz" lIns="91440" tIns="45720" rIns="91440" bIns="45720" rtlCol="0" anchor="b">
+            <a:normAutofit/>
+          </a:bodyPr>
+          <a:lstStyle/>
+          <a:p>
+            <a:pPr algn="ctr"/>
+            <a:r>
+              <a:rPr lang="en-US" sz="4800" kern="1200">
+                <a:solidFill>
+                  <a:srgbClr val="FFFFFF"/>
+                </a:solidFill>
+                <a:latin typeface="+mj-lt"/>
+                <a:ea typeface="+mj-ea"/>
+                <a:cs typeface="+mj-cs"/>
+              </a:rPr>
+              <a:t>Predictive and Prognostic Biomarkers</a:t>
+            </a:r>
+          </a:p>
+        </p:txBody>
+      </p:sp>
+      <p:cxnSp>
+        <p:nvCxnSpPr>
+          <p:cNvPr id="73" name="Straight Connector 72">
+            <a:extLst>
+              <a:ext uri="{FF2B5EF4-FFF2-40B4-BE49-F238E27FC236}">
+                <a16:creationId xmlns:a16="http://schemas.microsoft.com/office/drawing/2014/main" id="{38FB9660-F42F-4313-BBC4-47C007FE484C}"/>
+              </a:ext>
+              <a:ext uri="{C183D7F6-B498-43B3-948B-1728B52AA6E4}">
+                <adec:decorative xmlns:adec="http://schemas.microsoft.com/office/drawing/2017/decorative" xmlns="" val="1"/>
+              </a:ext>
+            </a:extLst>
+          </p:cNvPr>
+          <p:cNvCxnSpPr>
+            <a:cxnSpLocks noGrp="1" noRot="1" noChangeAspect="1" noMove="1" noResize="1" noEditPoints="1" noAdjustHandles="1" noChangeArrowheads="1" noChangeShapeType="1"/>
+          </p:cNvCxnSpPr>
+          <p:nvPr>
+            <p:extLst>
+              <p:ext uri="{386F3935-93C4-4BCD-93E2-E3B085C9AB24}">
+                <p16:designElem xmlns:p16="http://schemas.microsoft.com/office/powerpoint/2015/main" val="1"/>
+              </p:ext>
+            </p:extLst>
+          </p:nvPr>
+        </p:nvCxnSpPr>
+        <p:spPr>
+          <a:xfrm>
+            <a:off x="1191126" y="3910267"/>
+            <a:ext cx="2586790" cy="0"/>
+          </a:xfrm>
+          <a:prstGeom prst="line">
+            <a:avLst/>
+          </a:prstGeom>
+          <a:ln w="22225">
+            <a:solidFill>
+              <a:srgbClr val="D9D9D9"/>
+            </a:solidFill>
+          </a:ln>
+        </p:spPr>
+        <p:style>
+          <a:lnRef idx="1">
+            <a:schemeClr val="accent1"/>
+          </a:lnRef>
+          <a:fillRef idx="0">
+            <a:schemeClr val="accent1"/>
+          </a:fillRef>
+          <a:effectRef idx="0">
+            <a:schemeClr val="accent1"/>
+          </a:effectRef>
+          <a:fontRef idx="minor">
+            <a:schemeClr val="tx1"/>
+          </a:fontRef>
+        </p:style>
+      </p:cxnSp>
+      <p:pic>
+        <p:nvPicPr>
+          <p:cNvPr id="1026" name="Picture 2" descr="Prognostic versus predictive biomarkers. An idealized example of the interrogation of the prognostic versus predictive properties of a biomarker (BM) are shown. (A) An experimental treatment (Exp Treatment) is tested in a randomized controlled fashion against a placebo or control arm and shown to confer a survival advantage. A biomarker (BM) has been shown to correlate with improved benefit with the Exp Treatment in prior uncontrolled studies without a control arm. By segregating the groups based on their treatment arms and BM status (BM+/Placebo; BM+/Exp Treatment; BM-/Placebo; and BM-/Exp Treatment) it is possible to distinguish whether the BM is purely prognostic versus predictive. (B) The BM is purely prognostic and therefore independent of the treatment effect. The relative magnitude of the benefit from the Exp Treatment is similar for each BM group. (C) The BM is purely predictive for the Exp Treatment and all the benefit from the Exp treatment is exhibited only for patients in the BM+ group.Â ">
+            <a:extLst>
+              <a:ext uri="{FF2B5EF4-FFF2-40B4-BE49-F238E27FC236}">
+                <a16:creationId xmlns:a16="http://schemas.microsoft.com/office/drawing/2014/main" id="{E1F2FD62-70D4-4F80-A988-F11F499B722C}"/>
+              </a:ext>
+            </a:extLst>
+          </p:cNvPr>
+          <p:cNvPicPr>
+            <a:picLocks noGrp="1" noChangeAspect="1" noChangeArrowheads="1"/>
+          </p:cNvPicPr>
+          <p:nvPr>
+            <p:ph idx="1"/>
+          </p:nvPr>
+        </p:nvPicPr>
+        <p:blipFill>
+          <a:blip r:embed="rId2">
+            <a:extLst>
+              <a:ext uri="{28A0092B-C50C-407E-A947-70E740481C1C}">
+                <a14:useLocalDpi xmlns:a14="http://schemas.microsoft.com/office/drawing/2010/main" val="0"/>
+              </a:ext>
+            </a:extLst>
+          </a:blip>
+          <a:srcRect/>
+          <a:stretch>
+            <a:fillRect/>
+          </a:stretch>
+        </p:blipFill>
+        <p:spPr bwMode="auto">
+          <a:xfrm>
+            <a:off x="5153822" y="958044"/>
+            <a:ext cx="6553545" cy="4949853"/>
+          </a:xfrm>
+          <a:prstGeom prst="rect">
+            <a:avLst/>
+          </a:prstGeom>
+          <a:noFill/>
+          <a:extLst>
+            <a:ext uri="{909E8E84-426E-40DD-AFC4-6F175D3DCCD1}">
+              <a14:hiddenFill xmlns:a14="http://schemas.microsoft.com/office/drawing/2010/main">
+                <a:solidFill>
+                  <a:srgbClr val="FFFFFF"/>
+                </a:solidFill>
+              </a14:hiddenFill>
+            </a:ext>
+          </a:extLst>
+        </p:spPr>
+      </p:pic>
+      <p:sp>
+        <p:nvSpPr>
+          <p:cNvPr id="4" name="TextBox 3">
+            <a:extLst>
+              <a:ext uri="{FF2B5EF4-FFF2-40B4-BE49-F238E27FC236}">
+                <a16:creationId xmlns:a16="http://schemas.microsoft.com/office/drawing/2014/main" id="{8C9D06E2-EC09-44B4-9A03-45769D517E2B}"/>
+              </a:ext>
+            </a:extLst>
+          </p:cNvPr>
+          <p:cNvSpPr txBox="1"/>
+          <p:nvPr/>
+        </p:nvSpPr>
+        <p:spPr>
+          <a:xfrm>
+            <a:off x="9269835" y="6199464"/>
+            <a:ext cx="2114026" cy="430887"/>
+          </a:xfrm>
+          <a:prstGeom prst="rect">
+            <a:avLst/>
+          </a:prstGeom>
+          <a:noFill/>
+        </p:spPr>
+        <p:txBody>
+          <a:bodyPr wrap="square" rtlCol="0">
+            <a:spAutoFit/>
+          </a:bodyPr>
+          <a:lstStyle/>
+          <a:p>
+            <a:r>
+              <a:rPr lang="en-US" sz="1100" dirty="0"/>
+              <a:t>T Tran, P., et al. </a:t>
+            </a:r>
+            <a:r>
+              <a:rPr lang="en-US" sz="1100" i="1" dirty="0"/>
+              <a:t>Current molecular medicine</a:t>
+            </a:r>
+            <a:r>
+              <a:rPr lang="en-US" sz="1100" dirty="0"/>
+              <a:t> 12.6 (2012</a:t>
+            </a:r>
+          </a:p>
+        </p:txBody>
+      </p:sp>
+    </p:spTree>
+    <p:extLst>
+      <p:ext uri="{BB962C8B-B14F-4D97-AF65-F5344CB8AC3E}">
+        <p14:creationId xmlns:p14="http://schemas.microsoft.com/office/powerpoint/2010/main" val="871565387"/>
+      </p:ext>
+    </p:extLst>
+  </p:cSld>
+  <p:clrMapOvr>
+    <a:masterClrMapping/>
+  </p:clrMapOvr>
+</p:sld>
+</file>
+
+<file path=ppt/slides/slide5.xml><?xml version="1.0" encoding="utf-8"?>
+<p:sld xmlns:a="http://schemas.openxmlformats.org/drawingml/2006/main" xmlns:r="http://schemas.openxmlformats.org/officeDocument/2006/relationships" xmlns:p="http://schemas.openxmlformats.org/presentationml/2006/main">
+  <p:cSld>
+    <p:bg>
+      <p:bgPr>
+        <a:solidFill>
+          <a:schemeClr val="bg1"/>
+        </a:solidFill>
+        <a:effectLst/>
+      </p:bgPr>
+    </p:bg>
+    <p:spTree>
+      <p:nvGrpSpPr>
+        <p:cNvPr id="1" name=""/>
+        <p:cNvGrpSpPr/>
+        <p:nvPr/>
+      </p:nvGrpSpPr>
+      <p:grpSpPr>
+        <a:xfrm>
+          <a:off x="0" y="0"/>
+          <a:ext cx="0" cy="0"/>
+          <a:chOff x="0" y="0"/>
+          <a:chExt cx="0" cy="0"/>
+        </a:xfrm>
+      </p:grpSpPr>
+      <p:sp>
+        <p:nvSpPr>
+          <p:cNvPr id="71" name="Rectangle 70">
+            <a:extLst>
+              <a:ext uri="{FF2B5EF4-FFF2-40B4-BE49-F238E27FC236}">
+                <a16:creationId xmlns:a16="http://schemas.microsoft.com/office/drawing/2014/main" id="{32BC26D8-82FB-445E-AA49-62A77D7C1EE0}"/>
+              </a:ext>
+              <a:ext uri="{C183D7F6-B498-43B3-948B-1728B52AA6E4}">
+                <adec:decorative xmlns="" xmlns:adec="http://schemas.microsoft.com/office/drawing/2017/decorative" val="1"/>
+              </a:ext>
+            </a:extLst>
+          </p:cNvPr>
+          <p:cNvSpPr>
+            <a:spLocks noGrp="1" noRot="1" noChangeAspect="1" noMove="1" noResize="1" noEditPoints="1" noAdjustHandles="1" noChangeArrowheads="1" noChangeShapeType="1" noTextEdit="1"/>
+          </p:cNvSpPr>
+          <p:nvPr>
+            <p:extLst>
+              <p:ext uri="{386F3935-93C4-4BCD-93E2-E3B085C9AB24}">
+                <p16:designElem xmlns:p16="http://schemas.microsoft.com/office/powerpoint/2015/main" val="1"/>
+              </p:ext>
+            </p:extLst>
+          </p:nvPr>
+        </p:nvSpPr>
+        <p:spPr>
+          <a:xfrm>
+            <a:off x="0" y="0"/>
+            <a:ext cx="12192000" cy="6858000"/>
+          </a:xfrm>
+          <a:prstGeom prst="rect">
+            <a:avLst/>
+          </a:prstGeom>
+          <a:solidFill>
+            <a:schemeClr val="tx1">
+              <a:lumMod val="65000"/>
+              <a:lumOff val="35000"/>
+            </a:schemeClr>
+          </a:solidFill>
+          <a:ln>
+            <a:noFill/>
+          </a:ln>
+        </p:spPr>
+        <p:style>
+          <a:lnRef idx="2">
+            <a:schemeClr val="accent1">
+              <a:shade val="50000"/>
+            </a:schemeClr>
+          </a:lnRef>
+          <a:fillRef idx="1">
+            <a:schemeClr val="accent1"/>
+          </a:fillRef>
+          <a:effectRef idx="0">
+            <a:schemeClr val="accent1"/>
+          </a:effectRef>
+          <a:fontRef idx="minor">
+            <a:schemeClr val="lt1"/>
+          </a:fontRef>
+        </p:style>
+        <p:txBody>
+          <a:bodyPr rtlCol="0" anchor="ctr"/>
+          <a:lstStyle/>
+          <a:p>
+            <a:pPr algn="ctr"/>
+            <a:endParaRPr lang="en-US"/>
+          </a:p>
+        </p:txBody>
+      </p:sp>
+      <p:sp>
+        <p:nvSpPr>
+          <p:cNvPr id="73" name="Rectangle 72">
+            <a:extLst>
+              <a:ext uri="{FF2B5EF4-FFF2-40B4-BE49-F238E27FC236}">
+                <a16:creationId xmlns:a16="http://schemas.microsoft.com/office/drawing/2014/main" id="{CB44330D-EA18-4254-AA95-EB49948539B8}"/>
+              </a:ext>
+              <a:ext uri="{C183D7F6-B498-43B3-948B-1728B52AA6E4}">
+                <adec:decorative xmlns="" xmlns:adec="http://schemas.microsoft.com/office/drawing/2017/decorative" val="1"/>
+              </a:ext>
+            </a:extLst>
+          </p:cNvPr>
+          <p:cNvSpPr>
+            <a:spLocks noGrp="1" noRot="1" noChangeAspect="1" noMove="1" noResize="1" noEditPoints="1" noAdjustHandles="1" noChangeArrowheads="1" noChangeShapeType="1" noTextEdit="1"/>
+          </p:cNvSpPr>
+          <p:nvPr>
+            <p:extLst>
+              <p:ext uri="{386F3935-93C4-4BCD-93E2-E3B085C9AB24}">
+                <p16:designElem xmlns:p16="http://schemas.microsoft.com/office/powerpoint/2015/main" val="1"/>
+              </p:ext>
+            </p:extLst>
+          </p:nvPr>
+        </p:nvSpPr>
+        <p:spPr>
+          <a:xfrm>
+            <a:off x="477012" y="480060"/>
+            <a:ext cx="11237976" cy="5897880"/>
+          </a:xfrm>
+          <a:prstGeom prst="rect">
+            <a:avLst/>
+          </a:prstGeom>
+          <a:solidFill>
+            <a:srgbClr val="FFFFFF"/>
+          </a:solidFill>
+          <a:ln>
+            <a:noFill/>
+          </a:ln>
+        </p:spPr>
+        <p:style>
+          <a:lnRef idx="2">
+            <a:schemeClr val="accent1">
+              <a:shade val="50000"/>
+            </a:schemeClr>
+          </a:lnRef>
+          <a:fillRef idx="1">
+            <a:schemeClr val="accent1"/>
+          </a:fillRef>
+          <a:effectRef idx="0">
+            <a:schemeClr val="accent1"/>
+          </a:effectRef>
+          <a:fontRef idx="minor">
+            <a:schemeClr val="lt1"/>
+          </a:fontRef>
+        </p:style>
+        <p:txBody>
+          <a:bodyPr rtlCol="0" anchor="ctr"/>
+          <a:lstStyle/>
+          <a:p>
+            <a:pPr algn="ctr"/>
+            <a:endParaRPr lang="en-US"/>
+          </a:p>
+        </p:txBody>
+      </p:sp>
+      <p:pic>
+        <p:nvPicPr>
+          <p:cNvPr id="1026" name="Picture 2" descr="https://www.almacgroup.com/wp-content/uploads/2017/05/image-two.png">
+            <a:extLst>
+              <a:ext uri="{FF2B5EF4-FFF2-40B4-BE49-F238E27FC236}">
+                <a16:creationId xmlns:a16="http://schemas.microsoft.com/office/drawing/2014/main" id="{E867E7A2-8CC0-46B4-BFF0-6C32B06ABEE2}"/>
+              </a:ext>
+            </a:extLst>
+          </p:cNvPr>
+          <p:cNvPicPr>
+            <a:picLocks noGrp="1" noChangeAspect="1" noChangeArrowheads="1"/>
+          </p:cNvPicPr>
+          <p:nvPr>
+            <p:ph idx="1"/>
+          </p:nvPr>
+        </p:nvPicPr>
+        <p:blipFill rotWithShape="1">
+          <a:blip r:embed="rId2">
+            <a:extLst>
+              <a:ext uri="{28A0092B-C50C-407E-A947-70E740481C1C}">
+                <a14:useLocalDpi xmlns:a14="http://schemas.microsoft.com/office/drawing/2010/main" val="0"/>
+              </a:ext>
+            </a:extLst>
+          </a:blip>
+          <a:srcRect l="3044" t="6053"/>
+          <a:stretch/>
+        </p:blipFill>
+        <p:spPr bwMode="auto">
+          <a:xfrm>
+            <a:off x="714102" y="1428205"/>
+            <a:ext cx="10573173" cy="4072381"/>
+          </a:xfrm>
+          <a:prstGeom prst="rect">
+            <a:avLst/>
+          </a:prstGeom>
+          <a:noFill/>
+          <a:extLst>
+            <a:ext uri="{909E8E84-426E-40DD-AFC4-6F175D3DCCD1}">
+              <a14:hiddenFill xmlns:a14="http://schemas.microsoft.com/office/drawing/2010/main">
+                <a:solidFill>
+                  <a:srgbClr val="FFFFFF"/>
+                </a:solidFill>
+              </a14:hiddenFill>
+            </a:ext>
+          </a:extLst>
+        </p:spPr>
+      </p:pic>
+      <p:sp>
+        <p:nvSpPr>
+          <p:cNvPr id="5" name="Rectangle 4">
+            <a:extLst>
+              <a:ext uri="{FF2B5EF4-FFF2-40B4-BE49-F238E27FC236}">
+                <a16:creationId xmlns:a16="http://schemas.microsoft.com/office/drawing/2014/main" id="{4E2B386B-E39D-49FE-A910-C82ADD38FF9D}"/>
+              </a:ext>
+            </a:extLst>
+          </p:cNvPr>
+          <p:cNvSpPr/>
+          <p:nvPr/>
+        </p:nvSpPr>
+        <p:spPr>
+          <a:xfrm>
+            <a:off x="645989" y="494603"/>
+            <a:ext cx="5033554" cy="2299062"/>
+          </a:xfrm>
+          <a:prstGeom prst="rect">
+            <a:avLst/>
+          </a:prstGeom>
+          <a:solidFill>
+            <a:schemeClr val="bg1"/>
+          </a:solidFill>
+          <a:ln>
+            <a:solidFill>
+              <a:schemeClr val="bg1"/>
+            </a:solidFill>
+          </a:ln>
+        </p:spPr>
+        <p:style>
+          <a:lnRef idx="2">
+            <a:schemeClr val="accent1">
+              <a:shade val="50000"/>
+            </a:schemeClr>
+          </a:lnRef>
+          <a:fillRef idx="1">
+            <a:schemeClr val="accent1"/>
+          </a:fillRef>
+          <a:effectRef idx="0">
+            <a:schemeClr val="accent1"/>
+          </a:effectRef>
+          <a:fontRef idx="minor">
+            <a:schemeClr val="lt1"/>
+          </a:fontRef>
+        </p:style>
+        <p:txBody>
+          <a:bodyPr rtlCol="0" anchor="ctr"/>
+          <a:lstStyle/>
+          <a:p>
+            <a:pPr algn="ctr"/>
+            <a:endParaRPr lang="en-US"/>
+          </a:p>
+        </p:txBody>
+      </p:sp>
+      <p:sp>
+        <p:nvSpPr>
+          <p:cNvPr id="6" name="TextBox 5">
+            <a:extLst>
+              <a:ext uri="{FF2B5EF4-FFF2-40B4-BE49-F238E27FC236}">
+                <a16:creationId xmlns:a16="http://schemas.microsoft.com/office/drawing/2014/main" id="{0773589D-C5B3-4615-A900-47F413CA0D37}"/>
+              </a:ext>
+            </a:extLst>
+          </p:cNvPr>
+          <p:cNvSpPr txBox="1"/>
+          <p:nvPr/>
+        </p:nvSpPr>
+        <p:spPr>
+          <a:xfrm>
+            <a:off x="8021573" y="4397829"/>
+            <a:ext cx="661852" cy="369332"/>
+          </a:xfrm>
+          <a:prstGeom prst="rect">
+            <a:avLst/>
+          </a:prstGeom>
+          <a:noFill/>
+        </p:spPr>
+        <p:txBody>
+          <a:bodyPr wrap="square" rtlCol="0">
+            <a:spAutoFit/>
+          </a:bodyPr>
+          <a:lstStyle/>
+          <a:p>
+            <a:r>
+              <a:rPr lang="en-US" dirty="0">
+                <a:solidFill>
+                  <a:schemeClr val="accent6">
+                    <a:lumMod val="75000"/>
+                  </a:schemeClr>
+                </a:solidFill>
+                <a:latin typeface="Arial Black" panose="020B0A04020102020204" pitchFamily="34" charset="0"/>
+              </a:rPr>
+              <a:t>X</a:t>
+            </a:r>
+          </a:p>
+        </p:txBody>
+      </p:sp>
+      <p:sp>
+        <p:nvSpPr>
+          <p:cNvPr id="7" name="Rectangle: Rounded Corners 6">
+            <a:extLst>
+              <a:ext uri="{FF2B5EF4-FFF2-40B4-BE49-F238E27FC236}">
+                <a16:creationId xmlns:a16="http://schemas.microsoft.com/office/drawing/2014/main" id="{D8171938-008D-42E2-BEAB-8033B90F3225}"/>
+              </a:ext>
+            </a:extLst>
+          </p:cNvPr>
+          <p:cNvSpPr/>
+          <p:nvPr/>
+        </p:nvSpPr>
+        <p:spPr>
+          <a:xfrm>
+            <a:off x="7907383" y="2447109"/>
+            <a:ext cx="644434" cy="531222"/>
+          </a:xfrm>
+          <a:prstGeom prst="roundRect">
+            <a:avLst/>
+          </a:prstGeom>
+          <a:solidFill>
+            <a:schemeClr val="bg1"/>
+          </a:solidFill>
+          <a:ln>
+            <a:solidFill>
+              <a:schemeClr val="bg1"/>
+            </a:solidFill>
+          </a:ln>
+        </p:spPr>
+        <p:style>
+          <a:lnRef idx="2">
+            <a:schemeClr val="accent1">
+              <a:shade val="50000"/>
+            </a:schemeClr>
+          </a:lnRef>
+          <a:fillRef idx="1">
+            <a:schemeClr val="accent1"/>
+          </a:fillRef>
+          <a:effectRef idx="0">
+            <a:schemeClr val="accent1"/>
+          </a:effectRef>
+          <a:fontRef idx="minor">
+            <a:schemeClr val="lt1"/>
+          </a:fontRef>
+        </p:style>
+        <p:txBody>
+          <a:bodyPr rtlCol="0" anchor="ctr"/>
+          <a:lstStyle/>
+          <a:p>
+            <a:pPr algn="ctr"/>
+            <a:endParaRPr lang="en-US"/>
+          </a:p>
+        </p:txBody>
+      </p:sp>
+      <p:sp>
+        <p:nvSpPr>
+          <p:cNvPr id="10" name="TextBox 9">
+            <a:extLst>
+              <a:ext uri="{FF2B5EF4-FFF2-40B4-BE49-F238E27FC236}">
+                <a16:creationId xmlns:a16="http://schemas.microsoft.com/office/drawing/2014/main" id="{C7B28F70-E44D-430F-A8AD-A49444776531}"/>
+              </a:ext>
+            </a:extLst>
+          </p:cNvPr>
+          <p:cNvSpPr txBox="1"/>
+          <p:nvPr/>
+        </p:nvSpPr>
+        <p:spPr>
+          <a:xfrm>
+            <a:off x="8021573" y="2608999"/>
+            <a:ext cx="661852" cy="369332"/>
+          </a:xfrm>
+          <a:prstGeom prst="rect">
+            <a:avLst/>
+          </a:prstGeom>
+          <a:noFill/>
+        </p:spPr>
+        <p:txBody>
+          <a:bodyPr wrap="square" rtlCol="0">
+            <a:spAutoFit/>
+          </a:bodyPr>
+          <a:lstStyle/>
+          <a:p>
+            <a:r>
+              <a:rPr lang="en-US" dirty="0">
+                <a:solidFill>
+                  <a:schemeClr val="accent6">
+                    <a:lumMod val="75000"/>
+                  </a:schemeClr>
+                </a:solidFill>
+                <a:latin typeface="Arial Black" panose="020B0A04020102020204" pitchFamily="34" charset="0"/>
+              </a:rPr>
+              <a:t>X</a:t>
+            </a:r>
+          </a:p>
+        </p:txBody>
+      </p:sp>
+      <p:sp>
+        <p:nvSpPr>
+          <p:cNvPr id="12" name="Title 1">
+            <a:extLst>
+              <a:ext uri="{FF2B5EF4-FFF2-40B4-BE49-F238E27FC236}">
+                <a16:creationId xmlns:a16="http://schemas.microsoft.com/office/drawing/2014/main" id="{38583C8C-DF97-4568-BBC0-1E6B87C39B83}"/>
+              </a:ext>
+            </a:extLst>
+          </p:cNvPr>
+          <p:cNvSpPr>
+            <a:spLocks noGrp="1"/>
+          </p:cNvSpPr>
+          <p:nvPr>
+            <p:ph type="title"/>
+          </p:nvPr>
+        </p:nvSpPr>
+        <p:spPr>
+          <a:xfrm>
+            <a:off x="839788" y="365125"/>
+            <a:ext cx="10515600" cy="1325563"/>
+          </a:xfrm>
+        </p:spPr>
+        <p:txBody>
+          <a:bodyPr/>
+          <a:lstStyle/>
+          <a:p>
+            <a:r>
+              <a:rPr lang="en-US" dirty="0"/>
+              <a:t>Patient Subgroup Identification</a:t>
+            </a:r>
+          </a:p>
+        </p:txBody>
+      </p:sp>
+    </p:spTree>
+    <p:extLst>
+      <p:ext uri="{BB962C8B-B14F-4D97-AF65-F5344CB8AC3E}">
+        <p14:creationId xmlns:p14="http://schemas.microsoft.com/office/powerpoint/2010/main" val="2696115670"/>
+      </p:ext>
+    </p:extLst>
+  </p:cSld>
+  <p:clrMapOvr>
+    <a:masterClrMapping/>
+  </p:clrMapOvr>
+</p:sld>
+</file>
+
+<file path=ppt/slides/slide6.xml><?xml version="1.0" encoding="utf-8"?>
+<p:sld xmlns:a="http://schemas.openxmlformats.org/drawingml/2006/main" xmlns:r="http://schemas.openxmlformats.org/officeDocument/2006/relationships" xmlns:p="http://schemas.openxmlformats.org/presentationml/2006/main">
+  <p:cSld>
+    <p:spTree>
+      <p:nvGrpSpPr>
+        <p:cNvPr id="1" name=""/>
+        <p:cNvGrpSpPr/>
+        <p:nvPr/>
+      </p:nvGrpSpPr>
+      <p:grpSpPr>
+        <a:xfrm>
+          <a:off x="0" y="0"/>
+          <a:ext cx="0" cy="0"/>
+          <a:chOff x="0" y="0"/>
+          <a:chExt cx="0" cy="0"/>
+        </a:xfrm>
+      </p:grpSpPr>
+      <p:sp>
+        <p:nvSpPr>
           <p:cNvPr id="2" name="Title 1">
             <a:extLst>
               <a:ext uri="{FF2B5EF4-FFF2-40B4-BE49-F238E27FC236}">
@@ -5317,7 +6061,7 @@
             <a:fld id="{E9B57936-92EF-4126-AE48-1D9D36D15E98}" type="slidenum">
               <a:rPr kumimoji="1" lang="ja-JP" altLang="en-US" smtClean="0"/>
               <a:pPr/>
-              <a:t>4</a:t>
+              <a:t>6</a:t>
             </a:fld>
             <a:endParaRPr kumimoji="1" lang="ja-JP" altLang="en-US" dirty="0"/>
           </a:p>
@@ -5610,7 +6354,7 @@
 </p:sld>
 </file>
 
-<file path=ppt/slides/slide5.xml><?xml version="1.0" encoding="utf-8"?>
+<file path=ppt/slides/slide7.xml><?xml version="1.0" encoding="utf-8"?>
 <p:sld xmlns:a="http://schemas.openxmlformats.org/drawingml/2006/main" xmlns:r="http://schemas.openxmlformats.org/officeDocument/2006/relationships" xmlns:p="http://schemas.openxmlformats.org/presentationml/2006/main">
   <p:cSld>
     <p:spTree>
@@ -5699,15 +6443,6 @@
               <a:t>More networking opportunities with interns from other departments</a:t>
             </a:r>
           </a:p>
-          <a:p>
-            <a:pPr marL="514350" indent="-514350">
-              <a:buAutoNum type="arabicPeriod"/>
-            </a:pPr>
-            <a:r>
-              <a:rPr lang="en-US" dirty="0"/>
-              <a:t>Cafeterias</a:t>
-            </a:r>
-          </a:p>
         </p:txBody>
       </p:sp>
       <p:sp>
@@ -5783,7 +6518,7 @@
             <a:fld id="{E9B57936-92EF-4126-AE48-1D9D36D15E98}" type="slidenum">
               <a:rPr kumimoji="1" lang="ja-JP" altLang="en-US" smtClean="0"/>
               <a:pPr/>
-              <a:t>5</a:t>
+              <a:t>7</a:t>
             </a:fld>
             <a:endParaRPr kumimoji="1" lang="ja-JP" altLang="en-US" dirty="0"/>
           </a:p>
@@ -5929,67 +6664,6 @@
                       </p:childTnLst>
                     </p:cTn>
                   </p:par>
-                  <p:par>
-                    <p:cTn id="13" fill="hold">
-                      <p:stCondLst>
-                        <p:cond delay="indefinite"/>
-                      </p:stCondLst>
-                      <p:childTnLst>
-                        <p:par>
-                          <p:cTn id="14" fill="hold">
-                            <p:stCondLst>
-                              <p:cond delay="0"/>
-                            </p:stCondLst>
-                            <p:childTnLst>
-                              <p:par>
-                                <p:cTn id="15" presetID="10" presetClass="entr" presetSubtype="0" fill="hold" nodeType="clickEffect">
-                                  <p:stCondLst>
-                                    <p:cond delay="0"/>
-                                  </p:stCondLst>
-                                  <p:childTnLst>
-                                    <p:set>
-                                      <p:cBhvr>
-                                        <p:cTn id="16" dur="1" fill="hold">
-                                          <p:stCondLst>
-                                            <p:cond delay="0"/>
-                                          </p:stCondLst>
-                                        </p:cTn>
-                                        <p:tgtEl>
-                                          <p:spTgt spid="3">
-                                            <p:txEl>
-                                              <p:pRg st="2" end="2"/>
-                                            </p:txEl>
-                                          </p:spTgt>
-                                        </p:tgtEl>
-                                        <p:attrNameLst>
-                                          <p:attrName>style.visibility</p:attrName>
-                                        </p:attrNameLst>
-                                      </p:cBhvr>
-                                      <p:to>
-                                        <p:strVal val="visible"/>
-                                      </p:to>
-                                    </p:set>
-                                    <p:animEffect transition="in" filter="fade">
-                                      <p:cBhvr>
-                                        <p:cTn id="17" dur="500"/>
-                                        <p:tgtEl>
-                                          <p:spTgt spid="3">
-                                            <p:txEl>
-                                              <p:pRg st="2" end="2"/>
-                                            </p:txEl>
-                                          </p:spTgt>
-                                        </p:tgtEl>
-                                      </p:cBhvr>
-                                    </p:animEffect>
-                                  </p:childTnLst>
-                                </p:cTn>
-                              </p:par>
-                            </p:childTnLst>
-                          </p:cTn>
-                        </p:par>
-                      </p:childTnLst>
-                    </p:cTn>
-                  </p:par>
                 </p:childTnLst>
               </p:cTn>
               <p:prevCondLst>
@@ -6015,7 +6689,7 @@
 </p:sld>
 </file>
 
-<file path=ppt/slides/slide6.xml><?xml version="1.0" encoding="utf-8"?>
+<file path=ppt/slides/slide8.xml><?xml version="1.0" encoding="utf-8"?>
 <p:sld xmlns:a="http://schemas.openxmlformats.org/drawingml/2006/main" xmlns:r="http://schemas.openxmlformats.org/officeDocument/2006/relationships" xmlns:p="http://schemas.openxmlformats.org/presentationml/2006/main">
   <p:cSld>
     <p:spTree>

--- a/manu & slides/Experiences in Takeda.pptx
+++ b/manu & slides/Experiences in Takeda.pptx
@@ -119,10 +119,6 @@
 </p:presentation>
 </file>
 
-<file path=ppt/revisionInfo.xml><?xml version="1.0" encoding="utf-8"?>
-<p1510:revInfo xmlns:a="http://schemas.openxmlformats.org/drawingml/2006/main" xmlns:r="http://schemas.openxmlformats.org/officeDocument/2006/relationships" xmlns:p1510="http://schemas.microsoft.com/office/powerpoint/2015/10/main"/>
-</file>
-
 <file path=ppt/slideLayouts/slideLayout1.xml><?xml version="1.0" encoding="utf-8"?>
 <p:sldLayout xmlns:a="http://schemas.openxmlformats.org/drawingml/2006/main" xmlns:r="http://schemas.openxmlformats.org/officeDocument/2006/relationships" xmlns:p="http://schemas.openxmlformats.org/presentationml/2006/main" type="title" preserve="1">
   <p:cSld name="Title Slide">
@@ -270,7 +266,7 @@
           <a:p>
             <a:fld id="{E3C92BFE-4E3A-4B1D-81FB-DE7EB3E30904}" type="datetimeFigureOut">
               <a:rPr lang="en-US" smtClean="0"/>
-              <a:t>8/10/2018</a:t>
+              <a:t>8/14/2018</a:t>
             </a:fld>
             <a:endParaRPr lang="en-US"/>
           </a:p>
@@ -468,7 +464,7 @@
           <a:p>
             <a:fld id="{E3C92BFE-4E3A-4B1D-81FB-DE7EB3E30904}" type="datetimeFigureOut">
               <a:rPr lang="en-US" smtClean="0"/>
-              <a:t>8/10/2018</a:t>
+              <a:t>8/14/2018</a:t>
             </a:fld>
             <a:endParaRPr lang="en-US"/>
           </a:p>
@@ -676,7 +672,7 @@
           <a:p>
             <a:fld id="{E3C92BFE-4E3A-4B1D-81FB-DE7EB3E30904}" type="datetimeFigureOut">
               <a:rPr lang="en-US" smtClean="0"/>
-              <a:t>8/10/2018</a:t>
+              <a:t>8/14/2018</a:t>
             </a:fld>
             <a:endParaRPr lang="en-US"/>
           </a:p>
@@ -1888,7 +1884,7 @@
             <a:fld id="{02A88367-5BB3-4793-B263-C2830A0855E0}" type="datetime1">
               <a:rPr kumimoji="1" lang="ja-JP" altLang="en-US" smtClean="0"/>
               <a:pPr/>
-              <a:t>2018/8/10</a:t>
+              <a:t>2018/8/14</a:t>
             </a:fld>
             <a:endParaRPr kumimoji="1" lang="ja-JP" altLang="en-US" dirty="0"/>
           </a:p>
@@ -2225,7 +2221,7 @@
           <a:p>
             <a:fld id="{E3C92BFE-4E3A-4B1D-81FB-DE7EB3E30904}" type="datetimeFigureOut">
               <a:rPr lang="en-US" smtClean="0"/>
-              <a:t>8/10/2018</a:t>
+              <a:t>8/14/2018</a:t>
             </a:fld>
             <a:endParaRPr lang="en-US"/>
           </a:p>
@@ -2500,7 +2496,7 @@
           <a:p>
             <a:fld id="{E3C92BFE-4E3A-4B1D-81FB-DE7EB3E30904}" type="datetimeFigureOut">
               <a:rPr lang="en-US" smtClean="0"/>
-              <a:t>8/10/2018</a:t>
+              <a:t>8/14/2018</a:t>
             </a:fld>
             <a:endParaRPr lang="en-US"/>
           </a:p>
@@ -2765,7 +2761,7 @@
           <a:p>
             <a:fld id="{E3C92BFE-4E3A-4B1D-81FB-DE7EB3E30904}" type="datetimeFigureOut">
               <a:rPr lang="en-US" smtClean="0"/>
-              <a:t>8/10/2018</a:t>
+              <a:t>8/14/2018</a:t>
             </a:fld>
             <a:endParaRPr lang="en-US"/>
           </a:p>
@@ -3177,7 +3173,7 @@
           <a:p>
             <a:fld id="{E3C92BFE-4E3A-4B1D-81FB-DE7EB3E30904}" type="datetimeFigureOut">
               <a:rPr lang="en-US" smtClean="0"/>
-              <a:t>8/10/2018</a:t>
+              <a:t>8/14/2018</a:t>
             </a:fld>
             <a:endParaRPr lang="en-US"/>
           </a:p>
@@ -3318,7 +3314,7 @@
           <a:p>
             <a:fld id="{E3C92BFE-4E3A-4B1D-81FB-DE7EB3E30904}" type="datetimeFigureOut">
               <a:rPr lang="en-US" smtClean="0"/>
-              <a:t>8/10/2018</a:t>
+              <a:t>8/14/2018</a:t>
             </a:fld>
             <a:endParaRPr lang="en-US"/>
           </a:p>
@@ -3431,7 +3427,7 @@
           <a:p>
             <a:fld id="{E3C92BFE-4E3A-4B1D-81FB-DE7EB3E30904}" type="datetimeFigureOut">
               <a:rPr lang="en-US" smtClean="0"/>
-              <a:t>8/10/2018</a:t>
+              <a:t>8/14/2018</a:t>
             </a:fld>
             <a:endParaRPr lang="en-US"/>
           </a:p>
@@ -3742,7 +3738,7 @@
           <a:p>
             <a:fld id="{E3C92BFE-4E3A-4B1D-81FB-DE7EB3E30904}" type="datetimeFigureOut">
               <a:rPr lang="en-US" smtClean="0"/>
-              <a:t>8/10/2018</a:t>
+              <a:t>8/14/2018</a:t>
             </a:fld>
             <a:endParaRPr lang="en-US"/>
           </a:p>
@@ -4030,7 +4026,7 @@
           <a:p>
             <a:fld id="{E3C92BFE-4E3A-4B1D-81FB-DE7EB3E30904}" type="datetimeFigureOut">
               <a:rPr lang="en-US" smtClean="0"/>
-              <a:t>8/10/2018</a:t>
+              <a:t>8/14/2018</a:t>
             </a:fld>
             <a:endParaRPr lang="en-US"/>
           </a:p>
@@ -4271,7 +4267,7 @@
           <a:p>
             <a:fld id="{E3C92BFE-4E3A-4B1D-81FB-DE7EB3E30904}" type="datetimeFigureOut">
               <a:rPr lang="en-US" smtClean="0"/>
-              <a:t>8/10/2018</a:t>
+              <a:t>8/14/2018</a:t>
             </a:fld>
             <a:endParaRPr lang="en-US"/>
           </a:p>
@@ -4855,15 +4851,6 @@
             </a:pPr>
             <a:endParaRPr lang="en-US" dirty="0"/>
           </a:p>
-          <a:p>
-            <a:pPr marL="0" indent="0">
-              <a:buNone/>
-            </a:pPr>
-            <a:r>
-              <a:rPr lang="en-US" dirty="0"/>
-              <a:t>Department of Mathematical Sciences, Tsinghua University (2011-2015)</a:t>
-            </a:r>
-          </a:p>
         </p:txBody>
       </p:sp>
       <p:sp>
@@ -5180,7 +5167,7 @@
                 <a16:creationId xmlns:a16="http://schemas.microsoft.com/office/drawing/2014/main" id="{AB45A142-4255-493C-8284-5D566C121B10}"/>
               </a:ext>
               <a:ext uri="{C183D7F6-B498-43B3-948B-1728B52AA6E4}">
-                <adec:decorative xmlns:adec="http://schemas.microsoft.com/office/drawing/2017/decorative" xmlns="" val="1"/>
+                <adec:decorative xmlns:adec="http://schemas.microsoft.com/office/drawing/2017/decorative" val="1"/>
               </a:ext>
             </a:extLst>
           </p:cNvPr>
@@ -5292,7 +5279,7 @@
                 <a16:creationId xmlns:a16="http://schemas.microsoft.com/office/drawing/2014/main" id="{38FB9660-F42F-4313-BBC4-47C007FE484C}"/>
               </a:ext>
               <a:ext uri="{C183D7F6-B498-43B3-948B-1728B52AA6E4}">
-                <adec:decorative xmlns:adec="http://schemas.microsoft.com/office/drawing/2017/decorative" xmlns="" val="1"/>
+                <adec:decorative xmlns:adec="http://schemas.microsoft.com/office/drawing/2017/decorative" val="1"/>
               </a:ext>
             </a:extLst>
           </p:cNvPr>
@@ -5423,7 +5410,7 @@
             </a:r>
             <a:r>
               <a:rPr lang="en-US" sz="1100" dirty="0"/>
-              <a:t> 12.6 (2012</a:t>
+              <a:t> 12.6 (2012)</a:t>
             </a:r>
           </a:p>
         </p:txBody>
@@ -5474,7 +5461,7 @@
                 <a16:creationId xmlns:a16="http://schemas.microsoft.com/office/drawing/2014/main" id="{32BC26D8-82FB-445E-AA49-62A77D7C1EE0}"/>
               </a:ext>
               <a:ext uri="{C183D7F6-B498-43B3-948B-1728B52AA6E4}">
-                <adec:decorative xmlns="" xmlns:adec="http://schemas.microsoft.com/office/drawing/2017/decorative" val="1"/>
+                <adec:decorative xmlns:adec="http://schemas.microsoft.com/office/drawing/2017/decorative" val="1"/>
               </a:ext>
             </a:extLst>
           </p:cNvPr>
@@ -5540,7 +5527,7 @@
                 <a16:creationId xmlns:a16="http://schemas.microsoft.com/office/drawing/2014/main" id="{CB44330D-EA18-4254-AA95-EB49948539B8}"/>
               </a:ext>
               <a:ext uri="{C183D7F6-B498-43B3-948B-1728B52AA6E4}">
-                <adec:decorative xmlns="" xmlns:adec="http://schemas.microsoft.com/office/drawing/2017/decorative" val="1"/>
+                <adec:decorative xmlns:adec="http://schemas.microsoft.com/office/drawing/2017/decorative" val="1"/>
               </a:ext>
             </a:extLst>
           </p:cNvPr>

--- a/manu & slides/Experiences in Takeda.pptx
+++ b/manu & slides/Experiences in Takeda.pptx
@@ -4,6 +4,9 @@
   <p:sldMasterIdLst>
     <p:sldMasterId id="2147483648" r:id="rId1"/>
   </p:sldMasterIdLst>
+  <p:notesMasterIdLst>
+    <p:notesMasterId r:id="rId10"/>
+  </p:notesMasterIdLst>
   <p:sldIdLst>
     <p:sldId id="257" r:id="rId2"/>
     <p:sldId id="258" r:id="rId3"/>
@@ -119,6 +122,356 @@
 </p:presentation>
 </file>
 
+<file path=ppt/notesMasters/notesMaster1.xml><?xml version="1.0" encoding="utf-8"?>
+<p:notesMaster xmlns:a="http://schemas.openxmlformats.org/drawingml/2006/main" xmlns:r="http://schemas.openxmlformats.org/officeDocument/2006/relationships" xmlns:p="http://schemas.openxmlformats.org/presentationml/2006/main">
+  <p:cSld>
+    <p:bg>
+      <p:bgRef idx="1001">
+        <a:schemeClr val="bg1"/>
+      </p:bgRef>
+    </p:bg>
+    <p:spTree>
+      <p:nvGrpSpPr>
+        <p:cNvPr id="1" name=""/>
+        <p:cNvGrpSpPr/>
+        <p:nvPr/>
+      </p:nvGrpSpPr>
+      <p:grpSpPr>
+        <a:xfrm>
+          <a:off x="0" y="0"/>
+          <a:ext cx="0" cy="0"/>
+          <a:chOff x="0" y="0"/>
+          <a:chExt cx="0" cy="0"/>
+        </a:xfrm>
+      </p:grpSpPr>
+      <p:sp>
+        <p:nvSpPr>
+          <p:cNvPr id="2" name="Header Placeholder 1"/>
+          <p:cNvSpPr>
+            <a:spLocks noGrp="1"/>
+          </p:cNvSpPr>
+          <p:nvPr>
+            <p:ph type="hdr" sz="quarter"/>
+          </p:nvPr>
+        </p:nvSpPr>
+        <p:spPr>
+          <a:xfrm>
+            <a:off x="0" y="0"/>
+            <a:ext cx="2971800" cy="458788"/>
+          </a:xfrm>
+          <a:prstGeom prst="rect">
+            <a:avLst/>
+          </a:prstGeom>
+        </p:spPr>
+        <p:txBody>
+          <a:bodyPr vert="horz" lIns="91440" tIns="45720" rIns="91440" bIns="45720" rtlCol="0"/>
+          <a:lstStyle>
+            <a:lvl1pPr algn="l">
+              <a:defRPr sz="1200"/>
+            </a:lvl1pPr>
+          </a:lstStyle>
+          <a:p>
+            <a:endParaRPr lang="en-US"/>
+          </a:p>
+        </p:txBody>
+      </p:sp>
+      <p:sp>
+        <p:nvSpPr>
+          <p:cNvPr id="3" name="Date Placeholder 2"/>
+          <p:cNvSpPr>
+            <a:spLocks noGrp="1"/>
+          </p:cNvSpPr>
+          <p:nvPr>
+            <p:ph type="dt" idx="1"/>
+          </p:nvPr>
+        </p:nvSpPr>
+        <p:spPr>
+          <a:xfrm>
+            <a:off x="3884613" y="0"/>
+            <a:ext cx="2971800" cy="458788"/>
+          </a:xfrm>
+          <a:prstGeom prst="rect">
+            <a:avLst/>
+          </a:prstGeom>
+        </p:spPr>
+        <p:txBody>
+          <a:bodyPr vert="horz" lIns="91440" tIns="45720" rIns="91440" bIns="45720" rtlCol="0"/>
+          <a:lstStyle>
+            <a:lvl1pPr algn="r">
+              <a:defRPr sz="1200"/>
+            </a:lvl1pPr>
+          </a:lstStyle>
+          <a:p>
+            <a:fld id="{3B418E86-27B2-2548-8CE0-46ACE353B5B4}" type="datetimeFigureOut">
+              <a:rPr lang="en-US" smtClean="0"/>
+              <a:t>8/16/18</a:t>
+            </a:fld>
+            <a:endParaRPr lang="en-US"/>
+          </a:p>
+        </p:txBody>
+      </p:sp>
+      <p:sp>
+        <p:nvSpPr>
+          <p:cNvPr id="4" name="Slide Image Placeholder 3"/>
+          <p:cNvSpPr>
+            <a:spLocks noGrp="1" noRot="1" noChangeAspect="1"/>
+          </p:cNvSpPr>
+          <p:nvPr>
+            <p:ph type="sldImg" idx="2"/>
+          </p:nvPr>
+        </p:nvSpPr>
+        <p:spPr>
+          <a:xfrm>
+            <a:off x="685800" y="1143000"/>
+            <a:ext cx="5486400" cy="3086100"/>
+          </a:xfrm>
+          <a:prstGeom prst="rect">
+            <a:avLst/>
+          </a:prstGeom>
+          <a:noFill/>
+          <a:ln w="12700">
+            <a:solidFill>
+              <a:prstClr val="black"/>
+            </a:solidFill>
+          </a:ln>
+        </p:spPr>
+        <p:txBody>
+          <a:bodyPr vert="horz" lIns="91440" tIns="45720" rIns="91440" bIns="45720" rtlCol="0" anchor="ctr"/>
+          <a:lstStyle/>
+          <a:p>
+            <a:endParaRPr lang="en-US"/>
+          </a:p>
+        </p:txBody>
+      </p:sp>
+      <p:sp>
+        <p:nvSpPr>
+          <p:cNvPr id="5" name="Notes Placeholder 4"/>
+          <p:cNvSpPr>
+            <a:spLocks noGrp="1"/>
+          </p:cNvSpPr>
+          <p:nvPr>
+            <p:ph type="body" sz="quarter" idx="3"/>
+          </p:nvPr>
+        </p:nvSpPr>
+        <p:spPr>
+          <a:xfrm>
+            <a:off x="685800" y="4400550"/>
+            <a:ext cx="5486400" cy="3600450"/>
+          </a:xfrm>
+          <a:prstGeom prst="rect">
+            <a:avLst/>
+          </a:prstGeom>
+        </p:spPr>
+        <p:txBody>
+          <a:bodyPr vert="horz" lIns="91440" tIns="45720" rIns="91440" bIns="45720" rtlCol="0"/>
+          <a:lstStyle/>
+          <a:p>
+            <a:pPr lvl="0"/>
+            <a:r>
+              <a:rPr lang="en-US" smtClean="0"/>
+              <a:t>Click to edit Master text styles</a:t>
+            </a:r>
+          </a:p>
+          <a:p>
+            <a:pPr lvl="1"/>
+            <a:r>
+              <a:rPr lang="en-US" smtClean="0"/>
+              <a:t>Second level</a:t>
+            </a:r>
+          </a:p>
+          <a:p>
+            <a:pPr lvl="2"/>
+            <a:r>
+              <a:rPr lang="en-US" smtClean="0"/>
+              <a:t>Third level</a:t>
+            </a:r>
+          </a:p>
+          <a:p>
+            <a:pPr lvl="3"/>
+            <a:r>
+              <a:rPr lang="en-US" smtClean="0"/>
+              <a:t>Fourth level</a:t>
+            </a:r>
+          </a:p>
+          <a:p>
+            <a:pPr lvl="4"/>
+            <a:r>
+              <a:rPr lang="en-US" smtClean="0"/>
+              <a:t>Fifth level</a:t>
+            </a:r>
+            <a:endParaRPr lang="en-US"/>
+          </a:p>
+        </p:txBody>
+      </p:sp>
+      <p:sp>
+        <p:nvSpPr>
+          <p:cNvPr id="6" name="Footer Placeholder 5"/>
+          <p:cNvSpPr>
+            <a:spLocks noGrp="1"/>
+          </p:cNvSpPr>
+          <p:nvPr>
+            <p:ph type="ftr" sz="quarter" idx="4"/>
+          </p:nvPr>
+        </p:nvSpPr>
+        <p:spPr>
+          <a:xfrm>
+            <a:off x="0" y="8685213"/>
+            <a:ext cx="2971800" cy="458787"/>
+          </a:xfrm>
+          <a:prstGeom prst="rect">
+            <a:avLst/>
+          </a:prstGeom>
+        </p:spPr>
+        <p:txBody>
+          <a:bodyPr vert="horz" lIns="91440" tIns="45720" rIns="91440" bIns="45720" rtlCol="0" anchor="b"/>
+          <a:lstStyle>
+            <a:lvl1pPr algn="l">
+              <a:defRPr sz="1200"/>
+            </a:lvl1pPr>
+          </a:lstStyle>
+          <a:p>
+            <a:endParaRPr lang="en-US"/>
+          </a:p>
+        </p:txBody>
+      </p:sp>
+      <p:sp>
+        <p:nvSpPr>
+          <p:cNvPr id="7" name="Slide Number Placeholder 6"/>
+          <p:cNvSpPr>
+            <a:spLocks noGrp="1"/>
+          </p:cNvSpPr>
+          <p:nvPr>
+            <p:ph type="sldNum" sz="quarter" idx="5"/>
+          </p:nvPr>
+        </p:nvSpPr>
+        <p:spPr>
+          <a:xfrm>
+            <a:off x="3884613" y="8685213"/>
+            <a:ext cx="2971800" cy="458787"/>
+          </a:xfrm>
+          <a:prstGeom prst="rect">
+            <a:avLst/>
+          </a:prstGeom>
+        </p:spPr>
+        <p:txBody>
+          <a:bodyPr vert="horz" lIns="91440" tIns="45720" rIns="91440" bIns="45720" rtlCol="0" anchor="b"/>
+          <a:lstStyle>
+            <a:lvl1pPr algn="r">
+              <a:defRPr sz="1200"/>
+            </a:lvl1pPr>
+          </a:lstStyle>
+          <a:p>
+            <a:fld id="{6AB719A3-C7C4-9041-888A-37F3E2CDB15C}" type="slidenum">
+              <a:rPr lang="en-US" smtClean="0"/>
+              <a:t>‹#›</a:t>
+            </a:fld>
+            <a:endParaRPr lang="en-US"/>
+          </a:p>
+        </p:txBody>
+      </p:sp>
+    </p:spTree>
+    <p:extLst>
+      <p:ext uri="{BB962C8B-B14F-4D97-AF65-F5344CB8AC3E}">
+        <p14:creationId xmlns:p14="http://schemas.microsoft.com/office/powerpoint/2010/main" val="38405163"/>
+      </p:ext>
+    </p:extLst>
+  </p:cSld>
+  <p:clrMap bg1="lt1" tx1="dk1" bg2="lt2" tx2="dk2" accent1="accent1" accent2="accent2" accent3="accent3" accent4="accent4" accent5="accent5" accent6="accent6" hlink="hlink" folHlink="folHlink"/>
+  <p:notesStyle>
+    <a:lvl1pPr marL="0" algn="l" defTabSz="914400" rtl="0" eaLnBrk="1" latinLnBrk="0" hangingPunct="1">
+      <a:defRPr sz="1200" kern="1200">
+        <a:solidFill>
+          <a:schemeClr val="tx1"/>
+        </a:solidFill>
+        <a:latin typeface="+mn-lt"/>
+        <a:ea typeface="+mn-ea"/>
+        <a:cs typeface="+mn-cs"/>
+      </a:defRPr>
+    </a:lvl1pPr>
+    <a:lvl2pPr marL="457200" algn="l" defTabSz="914400" rtl="0" eaLnBrk="1" latinLnBrk="0" hangingPunct="1">
+      <a:defRPr sz="1200" kern="1200">
+        <a:solidFill>
+          <a:schemeClr val="tx1"/>
+        </a:solidFill>
+        <a:latin typeface="+mn-lt"/>
+        <a:ea typeface="+mn-ea"/>
+        <a:cs typeface="+mn-cs"/>
+      </a:defRPr>
+    </a:lvl2pPr>
+    <a:lvl3pPr marL="914400" algn="l" defTabSz="914400" rtl="0" eaLnBrk="1" latinLnBrk="0" hangingPunct="1">
+      <a:defRPr sz="1200" kern="1200">
+        <a:solidFill>
+          <a:schemeClr val="tx1"/>
+        </a:solidFill>
+        <a:latin typeface="+mn-lt"/>
+        <a:ea typeface="+mn-ea"/>
+        <a:cs typeface="+mn-cs"/>
+      </a:defRPr>
+    </a:lvl3pPr>
+    <a:lvl4pPr marL="1371600" algn="l" defTabSz="914400" rtl="0" eaLnBrk="1" latinLnBrk="0" hangingPunct="1">
+      <a:defRPr sz="1200" kern="1200">
+        <a:solidFill>
+          <a:schemeClr val="tx1"/>
+        </a:solidFill>
+        <a:latin typeface="+mn-lt"/>
+        <a:ea typeface="+mn-ea"/>
+        <a:cs typeface="+mn-cs"/>
+      </a:defRPr>
+    </a:lvl4pPr>
+    <a:lvl5pPr marL="1828800" algn="l" defTabSz="914400" rtl="0" eaLnBrk="1" latinLnBrk="0" hangingPunct="1">
+      <a:defRPr sz="1200" kern="1200">
+        <a:solidFill>
+          <a:schemeClr val="tx1"/>
+        </a:solidFill>
+        <a:latin typeface="+mn-lt"/>
+        <a:ea typeface="+mn-ea"/>
+        <a:cs typeface="+mn-cs"/>
+      </a:defRPr>
+    </a:lvl5pPr>
+    <a:lvl6pPr marL="2286000" algn="l" defTabSz="914400" rtl="0" eaLnBrk="1" latinLnBrk="0" hangingPunct="1">
+      <a:defRPr sz="1200" kern="1200">
+        <a:solidFill>
+          <a:schemeClr val="tx1"/>
+        </a:solidFill>
+        <a:latin typeface="+mn-lt"/>
+        <a:ea typeface="+mn-ea"/>
+        <a:cs typeface="+mn-cs"/>
+      </a:defRPr>
+    </a:lvl6pPr>
+    <a:lvl7pPr marL="2743200" algn="l" defTabSz="914400" rtl="0" eaLnBrk="1" latinLnBrk="0" hangingPunct="1">
+      <a:defRPr sz="1200" kern="1200">
+        <a:solidFill>
+          <a:schemeClr val="tx1"/>
+        </a:solidFill>
+        <a:latin typeface="+mn-lt"/>
+        <a:ea typeface="+mn-ea"/>
+        <a:cs typeface="+mn-cs"/>
+      </a:defRPr>
+    </a:lvl7pPr>
+    <a:lvl8pPr marL="3200400" algn="l" defTabSz="914400" rtl="0" eaLnBrk="1" latinLnBrk="0" hangingPunct="1">
+      <a:defRPr sz="1200" kern="1200">
+        <a:solidFill>
+          <a:schemeClr val="tx1"/>
+        </a:solidFill>
+        <a:latin typeface="+mn-lt"/>
+        <a:ea typeface="+mn-ea"/>
+        <a:cs typeface="+mn-cs"/>
+      </a:defRPr>
+    </a:lvl8pPr>
+    <a:lvl9pPr marL="3657600" algn="l" defTabSz="914400" rtl="0" eaLnBrk="1" latinLnBrk="0" hangingPunct="1">
+      <a:defRPr sz="1200" kern="1200">
+        <a:solidFill>
+          <a:schemeClr val="tx1"/>
+        </a:solidFill>
+        <a:latin typeface="+mn-lt"/>
+        <a:ea typeface="+mn-ea"/>
+        <a:cs typeface="+mn-cs"/>
+      </a:defRPr>
+    </a:lvl9pPr>
+  </p:notesStyle>
+</p:notesMaster>
+</file>
+
 <file path=ppt/slideLayouts/slideLayout1.xml><?xml version="1.0" encoding="utf-8"?>
 <p:sldLayout xmlns:a="http://schemas.openxmlformats.org/drawingml/2006/main" xmlns:r="http://schemas.openxmlformats.org/officeDocument/2006/relationships" xmlns:p="http://schemas.openxmlformats.org/presentationml/2006/main" type="title" preserve="1">
   <p:cSld name="Title Slide">
@@ -141,7 +494,7 @@
           <p:cNvPr id="2" name="Title 1">
             <a:extLst>
               <a:ext uri="{FF2B5EF4-FFF2-40B4-BE49-F238E27FC236}">
-                <a16:creationId xmlns:a16="http://schemas.microsoft.com/office/drawing/2014/main" id="{D3ADBE23-7B80-4089-A6CF-0F4B32E0B993}"/>
+                <a16:creationId xmlns:a16="http://schemas.microsoft.com/office/drawing/2014/main" xmlns="" id="{D3ADBE23-7B80-4089-A6CF-0F4B32E0B993}"/>
               </a:ext>
             </a:extLst>
           </p:cNvPr>
@@ -178,7 +531,7 @@
           <p:cNvPr id="3" name="Subtitle 2">
             <a:extLst>
               <a:ext uri="{FF2B5EF4-FFF2-40B4-BE49-F238E27FC236}">
-                <a16:creationId xmlns:a16="http://schemas.microsoft.com/office/drawing/2014/main" id="{80DAA867-03C2-4E14-A7EA-A7C7C618EB15}"/>
+                <a16:creationId xmlns:a16="http://schemas.microsoft.com/office/drawing/2014/main" xmlns="" id="{80DAA867-03C2-4E14-A7EA-A7C7C618EB15}"/>
               </a:ext>
             </a:extLst>
           </p:cNvPr>
@@ -248,7 +601,7 @@
           <p:cNvPr id="4" name="Date Placeholder 3">
             <a:extLst>
               <a:ext uri="{FF2B5EF4-FFF2-40B4-BE49-F238E27FC236}">
-                <a16:creationId xmlns:a16="http://schemas.microsoft.com/office/drawing/2014/main" id="{B67D5D99-4891-4065-B96B-9DE71A833595}"/>
+                <a16:creationId xmlns:a16="http://schemas.microsoft.com/office/drawing/2014/main" xmlns="" id="{B67D5D99-4891-4065-B96B-9DE71A833595}"/>
               </a:ext>
             </a:extLst>
           </p:cNvPr>
@@ -266,7 +619,7 @@
           <a:p>
             <a:fld id="{E3C92BFE-4E3A-4B1D-81FB-DE7EB3E30904}" type="datetimeFigureOut">
               <a:rPr lang="en-US" smtClean="0"/>
-              <a:t>8/14/2018</a:t>
+              <a:t>8/16/18</a:t>
             </a:fld>
             <a:endParaRPr lang="en-US"/>
           </a:p>
@@ -277,7 +630,7 @@
           <p:cNvPr id="5" name="Footer Placeholder 4">
             <a:extLst>
               <a:ext uri="{FF2B5EF4-FFF2-40B4-BE49-F238E27FC236}">
-                <a16:creationId xmlns:a16="http://schemas.microsoft.com/office/drawing/2014/main" id="{EF990754-1614-4800-AAD1-F9B2715532C9}"/>
+                <a16:creationId xmlns:a16="http://schemas.microsoft.com/office/drawing/2014/main" xmlns="" id="{EF990754-1614-4800-AAD1-F9B2715532C9}"/>
               </a:ext>
             </a:extLst>
           </p:cNvPr>
@@ -302,7 +655,7 @@
           <p:cNvPr id="6" name="Slide Number Placeholder 5">
             <a:extLst>
               <a:ext uri="{FF2B5EF4-FFF2-40B4-BE49-F238E27FC236}">
-                <a16:creationId xmlns:a16="http://schemas.microsoft.com/office/drawing/2014/main" id="{F5F80D8D-5733-4822-A209-DC47AC8FC6F0}"/>
+                <a16:creationId xmlns:a16="http://schemas.microsoft.com/office/drawing/2014/main" xmlns="" id="{F5F80D8D-5733-4822-A209-DC47AC8FC6F0}"/>
               </a:ext>
             </a:extLst>
           </p:cNvPr>
@@ -361,7 +714,7 @@
           <p:cNvPr id="2" name="Title 1">
             <a:extLst>
               <a:ext uri="{FF2B5EF4-FFF2-40B4-BE49-F238E27FC236}">
-                <a16:creationId xmlns:a16="http://schemas.microsoft.com/office/drawing/2014/main" id="{9593FD97-0C96-499F-B5B3-61BBC432BE3F}"/>
+                <a16:creationId xmlns:a16="http://schemas.microsoft.com/office/drawing/2014/main" xmlns="" id="{9593FD97-0C96-499F-B5B3-61BBC432BE3F}"/>
               </a:ext>
             </a:extLst>
           </p:cNvPr>
@@ -389,7 +742,7 @@
           <p:cNvPr id="3" name="Vertical Text Placeholder 2">
             <a:extLst>
               <a:ext uri="{FF2B5EF4-FFF2-40B4-BE49-F238E27FC236}">
-                <a16:creationId xmlns:a16="http://schemas.microsoft.com/office/drawing/2014/main" id="{B1FA8A6E-10DF-44A3-8528-9F5AC5A101F7}"/>
+                <a16:creationId xmlns:a16="http://schemas.microsoft.com/office/drawing/2014/main" xmlns="" id="{B1FA8A6E-10DF-44A3-8528-9F5AC5A101F7}"/>
               </a:ext>
             </a:extLst>
           </p:cNvPr>
@@ -446,7 +799,7 @@
           <p:cNvPr id="4" name="Date Placeholder 3">
             <a:extLst>
               <a:ext uri="{FF2B5EF4-FFF2-40B4-BE49-F238E27FC236}">
-                <a16:creationId xmlns:a16="http://schemas.microsoft.com/office/drawing/2014/main" id="{C2D1B041-57F8-47AD-9CC8-C92B9A6EEA35}"/>
+                <a16:creationId xmlns:a16="http://schemas.microsoft.com/office/drawing/2014/main" xmlns="" id="{C2D1B041-57F8-47AD-9CC8-C92B9A6EEA35}"/>
               </a:ext>
             </a:extLst>
           </p:cNvPr>
@@ -464,7 +817,7 @@
           <a:p>
             <a:fld id="{E3C92BFE-4E3A-4B1D-81FB-DE7EB3E30904}" type="datetimeFigureOut">
               <a:rPr lang="en-US" smtClean="0"/>
-              <a:t>8/14/2018</a:t>
+              <a:t>8/16/18</a:t>
             </a:fld>
             <a:endParaRPr lang="en-US"/>
           </a:p>
@@ -475,7 +828,7 @@
           <p:cNvPr id="5" name="Footer Placeholder 4">
             <a:extLst>
               <a:ext uri="{FF2B5EF4-FFF2-40B4-BE49-F238E27FC236}">
-                <a16:creationId xmlns:a16="http://schemas.microsoft.com/office/drawing/2014/main" id="{874C0818-5BE1-459F-AAE4-5B48F0EDB3C1}"/>
+                <a16:creationId xmlns:a16="http://schemas.microsoft.com/office/drawing/2014/main" xmlns="" id="{874C0818-5BE1-459F-AAE4-5B48F0EDB3C1}"/>
               </a:ext>
             </a:extLst>
           </p:cNvPr>
@@ -500,7 +853,7 @@
           <p:cNvPr id="6" name="Slide Number Placeholder 5">
             <a:extLst>
               <a:ext uri="{FF2B5EF4-FFF2-40B4-BE49-F238E27FC236}">
-                <a16:creationId xmlns:a16="http://schemas.microsoft.com/office/drawing/2014/main" id="{7BF2CD58-8A54-43B9-989F-F2226D51256F}"/>
+                <a16:creationId xmlns:a16="http://schemas.microsoft.com/office/drawing/2014/main" xmlns="" id="{7BF2CD58-8A54-43B9-989F-F2226D51256F}"/>
               </a:ext>
             </a:extLst>
           </p:cNvPr>
@@ -559,7 +912,7 @@
           <p:cNvPr id="2" name="Vertical Title 1">
             <a:extLst>
               <a:ext uri="{FF2B5EF4-FFF2-40B4-BE49-F238E27FC236}">
-                <a16:creationId xmlns:a16="http://schemas.microsoft.com/office/drawing/2014/main" id="{2FDAC0EF-3698-496B-B0A2-D33FC6E3660E}"/>
+                <a16:creationId xmlns:a16="http://schemas.microsoft.com/office/drawing/2014/main" xmlns="" id="{2FDAC0EF-3698-496B-B0A2-D33FC6E3660E}"/>
               </a:ext>
             </a:extLst>
           </p:cNvPr>
@@ -592,7 +945,7 @@
           <p:cNvPr id="3" name="Vertical Text Placeholder 2">
             <a:extLst>
               <a:ext uri="{FF2B5EF4-FFF2-40B4-BE49-F238E27FC236}">
-                <a16:creationId xmlns:a16="http://schemas.microsoft.com/office/drawing/2014/main" id="{5E1B0062-91FC-4DDF-867E-61867CA88B52}"/>
+                <a16:creationId xmlns:a16="http://schemas.microsoft.com/office/drawing/2014/main" xmlns="" id="{5E1B0062-91FC-4DDF-867E-61867CA88B52}"/>
               </a:ext>
             </a:extLst>
           </p:cNvPr>
@@ -654,7 +1007,7 @@
           <p:cNvPr id="4" name="Date Placeholder 3">
             <a:extLst>
               <a:ext uri="{FF2B5EF4-FFF2-40B4-BE49-F238E27FC236}">
-                <a16:creationId xmlns:a16="http://schemas.microsoft.com/office/drawing/2014/main" id="{4BF55C3C-83B7-4D96-9215-324974A9BEA0}"/>
+                <a16:creationId xmlns:a16="http://schemas.microsoft.com/office/drawing/2014/main" xmlns="" id="{4BF55C3C-83B7-4D96-9215-324974A9BEA0}"/>
               </a:ext>
             </a:extLst>
           </p:cNvPr>
@@ -672,7 +1025,7 @@
           <a:p>
             <a:fld id="{E3C92BFE-4E3A-4B1D-81FB-DE7EB3E30904}" type="datetimeFigureOut">
               <a:rPr lang="en-US" smtClean="0"/>
-              <a:t>8/14/2018</a:t>
+              <a:t>8/16/18</a:t>
             </a:fld>
             <a:endParaRPr lang="en-US"/>
           </a:p>
@@ -683,7 +1036,7 @@
           <p:cNvPr id="5" name="Footer Placeholder 4">
             <a:extLst>
               <a:ext uri="{FF2B5EF4-FFF2-40B4-BE49-F238E27FC236}">
-                <a16:creationId xmlns:a16="http://schemas.microsoft.com/office/drawing/2014/main" id="{D67D8CB6-479D-47D6-811A-B5776C9FC93D}"/>
+                <a16:creationId xmlns:a16="http://schemas.microsoft.com/office/drawing/2014/main" xmlns="" id="{D67D8CB6-479D-47D6-811A-B5776C9FC93D}"/>
               </a:ext>
             </a:extLst>
           </p:cNvPr>
@@ -708,7 +1061,7 @@
           <p:cNvPr id="6" name="Slide Number Placeholder 5">
             <a:extLst>
               <a:ext uri="{FF2B5EF4-FFF2-40B4-BE49-F238E27FC236}">
-                <a16:creationId xmlns:a16="http://schemas.microsoft.com/office/drawing/2014/main" id="{733BD198-D69B-4A5E-B3FD-BD29ABE81288}"/>
+                <a16:creationId xmlns:a16="http://schemas.microsoft.com/office/drawing/2014/main" xmlns="" id="{733BD198-D69B-4A5E-B3FD-BD29ABE81288}"/>
               </a:ext>
             </a:extLst>
           </p:cNvPr>
@@ -1884,7 +2237,7 @@
             <a:fld id="{02A88367-5BB3-4793-B263-C2830A0855E0}" type="datetime1">
               <a:rPr kumimoji="1" lang="ja-JP" altLang="en-US" smtClean="0"/>
               <a:pPr/>
-              <a:t>2018/8/14</a:t>
+              <a:t>2018/8/16</a:t>
             </a:fld>
             <a:endParaRPr kumimoji="1" lang="ja-JP" altLang="en-US" dirty="0"/>
           </a:p>
@@ -2118,7 +2471,7 @@
           <p:cNvPr id="2" name="Title 1">
             <a:extLst>
               <a:ext uri="{FF2B5EF4-FFF2-40B4-BE49-F238E27FC236}">
-                <a16:creationId xmlns:a16="http://schemas.microsoft.com/office/drawing/2014/main" id="{671C2871-C8E9-4683-8824-DBB63A3DC057}"/>
+                <a16:creationId xmlns:a16="http://schemas.microsoft.com/office/drawing/2014/main" xmlns="" id="{671C2871-C8E9-4683-8824-DBB63A3DC057}"/>
               </a:ext>
             </a:extLst>
           </p:cNvPr>
@@ -2146,7 +2499,7 @@
           <p:cNvPr id="3" name="Content Placeholder 2">
             <a:extLst>
               <a:ext uri="{FF2B5EF4-FFF2-40B4-BE49-F238E27FC236}">
-                <a16:creationId xmlns:a16="http://schemas.microsoft.com/office/drawing/2014/main" id="{B6B251E3-28DB-4043-A6DB-10E2C197CF28}"/>
+                <a16:creationId xmlns:a16="http://schemas.microsoft.com/office/drawing/2014/main" xmlns="" id="{B6B251E3-28DB-4043-A6DB-10E2C197CF28}"/>
               </a:ext>
             </a:extLst>
           </p:cNvPr>
@@ -2203,7 +2556,7 @@
           <p:cNvPr id="4" name="Date Placeholder 3">
             <a:extLst>
               <a:ext uri="{FF2B5EF4-FFF2-40B4-BE49-F238E27FC236}">
-                <a16:creationId xmlns:a16="http://schemas.microsoft.com/office/drawing/2014/main" id="{2F565D33-A70B-4A0E-89D5-2E7178D6A8FB}"/>
+                <a16:creationId xmlns:a16="http://schemas.microsoft.com/office/drawing/2014/main" xmlns="" id="{2F565D33-A70B-4A0E-89D5-2E7178D6A8FB}"/>
               </a:ext>
             </a:extLst>
           </p:cNvPr>
@@ -2221,7 +2574,7 @@
           <a:p>
             <a:fld id="{E3C92BFE-4E3A-4B1D-81FB-DE7EB3E30904}" type="datetimeFigureOut">
               <a:rPr lang="en-US" smtClean="0"/>
-              <a:t>8/14/2018</a:t>
+              <a:t>8/16/18</a:t>
             </a:fld>
             <a:endParaRPr lang="en-US"/>
           </a:p>
@@ -2232,7 +2585,7 @@
           <p:cNvPr id="5" name="Footer Placeholder 4">
             <a:extLst>
               <a:ext uri="{FF2B5EF4-FFF2-40B4-BE49-F238E27FC236}">
-                <a16:creationId xmlns:a16="http://schemas.microsoft.com/office/drawing/2014/main" id="{F4BB97C6-5DC7-419C-B3E1-C257F6019940}"/>
+                <a16:creationId xmlns:a16="http://schemas.microsoft.com/office/drawing/2014/main" xmlns="" id="{F4BB97C6-5DC7-419C-B3E1-C257F6019940}"/>
               </a:ext>
             </a:extLst>
           </p:cNvPr>
@@ -2257,7 +2610,7 @@
           <p:cNvPr id="6" name="Slide Number Placeholder 5">
             <a:extLst>
               <a:ext uri="{FF2B5EF4-FFF2-40B4-BE49-F238E27FC236}">
-                <a16:creationId xmlns:a16="http://schemas.microsoft.com/office/drawing/2014/main" id="{144A3BEF-D409-43B4-9B8E-0E1F1061567B}"/>
+                <a16:creationId xmlns:a16="http://schemas.microsoft.com/office/drawing/2014/main" xmlns="" id="{144A3BEF-D409-43B4-9B8E-0E1F1061567B}"/>
               </a:ext>
             </a:extLst>
           </p:cNvPr>
@@ -2316,7 +2669,7 @@
           <p:cNvPr id="2" name="Title 1">
             <a:extLst>
               <a:ext uri="{FF2B5EF4-FFF2-40B4-BE49-F238E27FC236}">
-                <a16:creationId xmlns:a16="http://schemas.microsoft.com/office/drawing/2014/main" id="{E502EEE5-5DB0-48A4-9276-245D786AFDDA}"/>
+                <a16:creationId xmlns:a16="http://schemas.microsoft.com/office/drawing/2014/main" xmlns="" id="{E502EEE5-5DB0-48A4-9276-245D786AFDDA}"/>
               </a:ext>
             </a:extLst>
           </p:cNvPr>
@@ -2353,7 +2706,7 @@
           <p:cNvPr id="3" name="Text Placeholder 2">
             <a:extLst>
               <a:ext uri="{FF2B5EF4-FFF2-40B4-BE49-F238E27FC236}">
-                <a16:creationId xmlns:a16="http://schemas.microsoft.com/office/drawing/2014/main" id="{18ED5B64-EDF6-46CC-B50F-6EE14463D715}"/>
+                <a16:creationId xmlns:a16="http://schemas.microsoft.com/office/drawing/2014/main" xmlns="" id="{18ED5B64-EDF6-46CC-B50F-6EE14463D715}"/>
               </a:ext>
             </a:extLst>
           </p:cNvPr>
@@ -2478,7 +2831,7 @@
           <p:cNvPr id="4" name="Date Placeholder 3">
             <a:extLst>
               <a:ext uri="{FF2B5EF4-FFF2-40B4-BE49-F238E27FC236}">
-                <a16:creationId xmlns:a16="http://schemas.microsoft.com/office/drawing/2014/main" id="{547F7333-0076-4DB7-8A8E-87C6CFBD91A8}"/>
+                <a16:creationId xmlns:a16="http://schemas.microsoft.com/office/drawing/2014/main" xmlns="" id="{547F7333-0076-4DB7-8A8E-87C6CFBD91A8}"/>
               </a:ext>
             </a:extLst>
           </p:cNvPr>
@@ -2496,7 +2849,7 @@
           <a:p>
             <a:fld id="{E3C92BFE-4E3A-4B1D-81FB-DE7EB3E30904}" type="datetimeFigureOut">
               <a:rPr lang="en-US" smtClean="0"/>
-              <a:t>8/14/2018</a:t>
+              <a:t>8/16/18</a:t>
             </a:fld>
             <a:endParaRPr lang="en-US"/>
           </a:p>
@@ -2507,7 +2860,7 @@
           <p:cNvPr id="5" name="Footer Placeholder 4">
             <a:extLst>
               <a:ext uri="{FF2B5EF4-FFF2-40B4-BE49-F238E27FC236}">
-                <a16:creationId xmlns:a16="http://schemas.microsoft.com/office/drawing/2014/main" id="{8F14281C-FA01-4BAF-BE90-71D36942404F}"/>
+                <a16:creationId xmlns:a16="http://schemas.microsoft.com/office/drawing/2014/main" xmlns="" id="{8F14281C-FA01-4BAF-BE90-71D36942404F}"/>
               </a:ext>
             </a:extLst>
           </p:cNvPr>
@@ -2532,7 +2885,7 @@
           <p:cNvPr id="6" name="Slide Number Placeholder 5">
             <a:extLst>
               <a:ext uri="{FF2B5EF4-FFF2-40B4-BE49-F238E27FC236}">
-                <a16:creationId xmlns:a16="http://schemas.microsoft.com/office/drawing/2014/main" id="{A79C1264-5ACE-43A2-9A1D-D06EEBD2FBFE}"/>
+                <a16:creationId xmlns:a16="http://schemas.microsoft.com/office/drawing/2014/main" xmlns="" id="{A79C1264-5ACE-43A2-9A1D-D06EEBD2FBFE}"/>
               </a:ext>
             </a:extLst>
           </p:cNvPr>
@@ -2591,7 +2944,7 @@
           <p:cNvPr id="2" name="Title 1">
             <a:extLst>
               <a:ext uri="{FF2B5EF4-FFF2-40B4-BE49-F238E27FC236}">
-                <a16:creationId xmlns:a16="http://schemas.microsoft.com/office/drawing/2014/main" id="{83FC702F-60FF-4647-B685-73DA2E92D626}"/>
+                <a16:creationId xmlns:a16="http://schemas.microsoft.com/office/drawing/2014/main" xmlns="" id="{83FC702F-60FF-4647-B685-73DA2E92D626}"/>
               </a:ext>
             </a:extLst>
           </p:cNvPr>
@@ -2619,7 +2972,7 @@
           <p:cNvPr id="3" name="Content Placeholder 2">
             <a:extLst>
               <a:ext uri="{FF2B5EF4-FFF2-40B4-BE49-F238E27FC236}">
-                <a16:creationId xmlns:a16="http://schemas.microsoft.com/office/drawing/2014/main" id="{187AB145-AC37-45D1-BDD0-C208DCEF4697}"/>
+                <a16:creationId xmlns:a16="http://schemas.microsoft.com/office/drawing/2014/main" xmlns="" id="{187AB145-AC37-45D1-BDD0-C208DCEF4697}"/>
               </a:ext>
             </a:extLst>
           </p:cNvPr>
@@ -2681,7 +3034,7 @@
           <p:cNvPr id="4" name="Content Placeholder 3">
             <a:extLst>
               <a:ext uri="{FF2B5EF4-FFF2-40B4-BE49-F238E27FC236}">
-                <a16:creationId xmlns:a16="http://schemas.microsoft.com/office/drawing/2014/main" id="{9CF4CD81-84AE-4DCE-952C-659411D57F6D}"/>
+                <a16:creationId xmlns:a16="http://schemas.microsoft.com/office/drawing/2014/main" xmlns="" id="{9CF4CD81-84AE-4DCE-952C-659411D57F6D}"/>
               </a:ext>
             </a:extLst>
           </p:cNvPr>
@@ -2743,7 +3096,7 @@
           <p:cNvPr id="5" name="Date Placeholder 4">
             <a:extLst>
               <a:ext uri="{FF2B5EF4-FFF2-40B4-BE49-F238E27FC236}">
-                <a16:creationId xmlns:a16="http://schemas.microsoft.com/office/drawing/2014/main" id="{7CFEC2F6-771D-492E-AD96-9D97AAD3E565}"/>
+                <a16:creationId xmlns:a16="http://schemas.microsoft.com/office/drawing/2014/main" xmlns="" id="{7CFEC2F6-771D-492E-AD96-9D97AAD3E565}"/>
               </a:ext>
             </a:extLst>
           </p:cNvPr>
@@ -2761,7 +3114,7 @@
           <a:p>
             <a:fld id="{E3C92BFE-4E3A-4B1D-81FB-DE7EB3E30904}" type="datetimeFigureOut">
               <a:rPr lang="en-US" smtClean="0"/>
-              <a:t>8/14/2018</a:t>
+              <a:t>8/16/18</a:t>
             </a:fld>
             <a:endParaRPr lang="en-US"/>
           </a:p>
@@ -2772,7 +3125,7 @@
           <p:cNvPr id="6" name="Footer Placeholder 5">
             <a:extLst>
               <a:ext uri="{FF2B5EF4-FFF2-40B4-BE49-F238E27FC236}">
-                <a16:creationId xmlns:a16="http://schemas.microsoft.com/office/drawing/2014/main" id="{D34A2AB4-4176-456B-A658-AE7075EE9245}"/>
+                <a16:creationId xmlns:a16="http://schemas.microsoft.com/office/drawing/2014/main" xmlns="" id="{D34A2AB4-4176-456B-A658-AE7075EE9245}"/>
               </a:ext>
             </a:extLst>
           </p:cNvPr>
@@ -2797,7 +3150,7 @@
           <p:cNvPr id="7" name="Slide Number Placeholder 6">
             <a:extLst>
               <a:ext uri="{FF2B5EF4-FFF2-40B4-BE49-F238E27FC236}">
-                <a16:creationId xmlns:a16="http://schemas.microsoft.com/office/drawing/2014/main" id="{F2673DFD-3051-4663-B91E-B67BDF6699E4}"/>
+                <a16:creationId xmlns:a16="http://schemas.microsoft.com/office/drawing/2014/main" xmlns="" id="{F2673DFD-3051-4663-B91E-B67BDF6699E4}"/>
               </a:ext>
             </a:extLst>
           </p:cNvPr>
@@ -2856,7 +3209,7 @@
           <p:cNvPr id="2" name="Title 1">
             <a:extLst>
               <a:ext uri="{FF2B5EF4-FFF2-40B4-BE49-F238E27FC236}">
-                <a16:creationId xmlns:a16="http://schemas.microsoft.com/office/drawing/2014/main" id="{80AC9803-CCF6-4211-92B1-37A14C9DA68E}"/>
+                <a16:creationId xmlns:a16="http://schemas.microsoft.com/office/drawing/2014/main" xmlns="" id="{80AC9803-CCF6-4211-92B1-37A14C9DA68E}"/>
               </a:ext>
             </a:extLst>
           </p:cNvPr>
@@ -2889,7 +3242,7 @@
           <p:cNvPr id="3" name="Text Placeholder 2">
             <a:extLst>
               <a:ext uri="{FF2B5EF4-FFF2-40B4-BE49-F238E27FC236}">
-                <a16:creationId xmlns:a16="http://schemas.microsoft.com/office/drawing/2014/main" id="{2D87610B-B66C-43E6-A929-BAF54FA62FFE}"/>
+                <a16:creationId xmlns:a16="http://schemas.microsoft.com/office/drawing/2014/main" xmlns="" id="{2D87610B-B66C-43E6-A929-BAF54FA62FFE}"/>
               </a:ext>
             </a:extLst>
           </p:cNvPr>
@@ -2960,7 +3313,7 @@
           <p:cNvPr id="4" name="Content Placeholder 3">
             <a:extLst>
               <a:ext uri="{FF2B5EF4-FFF2-40B4-BE49-F238E27FC236}">
-                <a16:creationId xmlns:a16="http://schemas.microsoft.com/office/drawing/2014/main" id="{822D9C66-ED07-4CF5-99C2-CDCCEC67EC96}"/>
+                <a16:creationId xmlns:a16="http://schemas.microsoft.com/office/drawing/2014/main" xmlns="" id="{822D9C66-ED07-4CF5-99C2-CDCCEC67EC96}"/>
               </a:ext>
             </a:extLst>
           </p:cNvPr>
@@ -3022,7 +3375,7 @@
           <p:cNvPr id="5" name="Text Placeholder 4">
             <a:extLst>
               <a:ext uri="{FF2B5EF4-FFF2-40B4-BE49-F238E27FC236}">
-                <a16:creationId xmlns:a16="http://schemas.microsoft.com/office/drawing/2014/main" id="{C111CC7A-E842-4C18-9E96-318FB64DB86E}"/>
+                <a16:creationId xmlns:a16="http://schemas.microsoft.com/office/drawing/2014/main" xmlns="" id="{C111CC7A-E842-4C18-9E96-318FB64DB86E}"/>
               </a:ext>
             </a:extLst>
           </p:cNvPr>
@@ -3093,7 +3446,7 @@
           <p:cNvPr id="6" name="Content Placeholder 5">
             <a:extLst>
               <a:ext uri="{FF2B5EF4-FFF2-40B4-BE49-F238E27FC236}">
-                <a16:creationId xmlns:a16="http://schemas.microsoft.com/office/drawing/2014/main" id="{B85275D2-1A10-4782-A231-6BC8443F3410}"/>
+                <a16:creationId xmlns:a16="http://schemas.microsoft.com/office/drawing/2014/main" xmlns="" id="{B85275D2-1A10-4782-A231-6BC8443F3410}"/>
               </a:ext>
             </a:extLst>
           </p:cNvPr>
@@ -3155,7 +3508,7 @@
           <p:cNvPr id="7" name="Date Placeholder 6">
             <a:extLst>
               <a:ext uri="{FF2B5EF4-FFF2-40B4-BE49-F238E27FC236}">
-                <a16:creationId xmlns:a16="http://schemas.microsoft.com/office/drawing/2014/main" id="{56B17511-26A7-4933-BB09-CAF9031F928E}"/>
+                <a16:creationId xmlns:a16="http://schemas.microsoft.com/office/drawing/2014/main" xmlns="" id="{56B17511-26A7-4933-BB09-CAF9031F928E}"/>
               </a:ext>
             </a:extLst>
           </p:cNvPr>
@@ -3173,7 +3526,7 @@
           <a:p>
             <a:fld id="{E3C92BFE-4E3A-4B1D-81FB-DE7EB3E30904}" type="datetimeFigureOut">
               <a:rPr lang="en-US" smtClean="0"/>
-              <a:t>8/14/2018</a:t>
+              <a:t>8/16/18</a:t>
             </a:fld>
             <a:endParaRPr lang="en-US"/>
           </a:p>
@@ -3184,7 +3537,7 @@
           <p:cNvPr id="8" name="Footer Placeholder 7">
             <a:extLst>
               <a:ext uri="{FF2B5EF4-FFF2-40B4-BE49-F238E27FC236}">
-                <a16:creationId xmlns:a16="http://schemas.microsoft.com/office/drawing/2014/main" id="{652FB824-D4E2-4579-8DDF-75951069F582}"/>
+                <a16:creationId xmlns:a16="http://schemas.microsoft.com/office/drawing/2014/main" xmlns="" id="{652FB824-D4E2-4579-8DDF-75951069F582}"/>
               </a:ext>
             </a:extLst>
           </p:cNvPr>
@@ -3209,7 +3562,7 @@
           <p:cNvPr id="9" name="Slide Number Placeholder 8">
             <a:extLst>
               <a:ext uri="{FF2B5EF4-FFF2-40B4-BE49-F238E27FC236}">
-                <a16:creationId xmlns:a16="http://schemas.microsoft.com/office/drawing/2014/main" id="{93FB9B7E-4ECE-446B-B4C2-D9D7222B97CC}"/>
+                <a16:creationId xmlns:a16="http://schemas.microsoft.com/office/drawing/2014/main" xmlns="" id="{93FB9B7E-4ECE-446B-B4C2-D9D7222B97CC}"/>
               </a:ext>
             </a:extLst>
           </p:cNvPr>
@@ -3268,7 +3621,7 @@
           <p:cNvPr id="2" name="Title 1">
             <a:extLst>
               <a:ext uri="{FF2B5EF4-FFF2-40B4-BE49-F238E27FC236}">
-                <a16:creationId xmlns:a16="http://schemas.microsoft.com/office/drawing/2014/main" id="{AFB2FF9D-9AD9-425C-817E-64661EE4F1C1}"/>
+                <a16:creationId xmlns:a16="http://schemas.microsoft.com/office/drawing/2014/main" xmlns="" id="{AFB2FF9D-9AD9-425C-817E-64661EE4F1C1}"/>
               </a:ext>
             </a:extLst>
           </p:cNvPr>
@@ -3296,7 +3649,7 @@
           <p:cNvPr id="3" name="Date Placeholder 2">
             <a:extLst>
               <a:ext uri="{FF2B5EF4-FFF2-40B4-BE49-F238E27FC236}">
-                <a16:creationId xmlns:a16="http://schemas.microsoft.com/office/drawing/2014/main" id="{ADE425FD-F0FD-49CA-9048-D16CEC837E10}"/>
+                <a16:creationId xmlns:a16="http://schemas.microsoft.com/office/drawing/2014/main" xmlns="" id="{ADE425FD-F0FD-49CA-9048-D16CEC837E10}"/>
               </a:ext>
             </a:extLst>
           </p:cNvPr>
@@ -3314,7 +3667,7 @@
           <a:p>
             <a:fld id="{E3C92BFE-4E3A-4B1D-81FB-DE7EB3E30904}" type="datetimeFigureOut">
               <a:rPr lang="en-US" smtClean="0"/>
-              <a:t>8/14/2018</a:t>
+              <a:t>8/16/18</a:t>
             </a:fld>
             <a:endParaRPr lang="en-US"/>
           </a:p>
@@ -3325,7 +3678,7 @@
           <p:cNvPr id="4" name="Footer Placeholder 3">
             <a:extLst>
               <a:ext uri="{FF2B5EF4-FFF2-40B4-BE49-F238E27FC236}">
-                <a16:creationId xmlns:a16="http://schemas.microsoft.com/office/drawing/2014/main" id="{4551DDCB-F0D5-43DD-A233-823ED2A2BDA8}"/>
+                <a16:creationId xmlns:a16="http://schemas.microsoft.com/office/drawing/2014/main" xmlns="" id="{4551DDCB-F0D5-43DD-A233-823ED2A2BDA8}"/>
               </a:ext>
             </a:extLst>
           </p:cNvPr>
@@ -3350,7 +3703,7 @@
           <p:cNvPr id="5" name="Slide Number Placeholder 4">
             <a:extLst>
               <a:ext uri="{FF2B5EF4-FFF2-40B4-BE49-F238E27FC236}">
-                <a16:creationId xmlns:a16="http://schemas.microsoft.com/office/drawing/2014/main" id="{BCE51ED3-751B-4D3F-9AC9-7ED7C86734B9}"/>
+                <a16:creationId xmlns:a16="http://schemas.microsoft.com/office/drawing/2014/main" xmlns="" id="{BCE51ED3-751B-4D3F-9AC9-7ED7C86734B9}"/>
               </a:ext>
             </a:extLst>
           </p:cNvPr>
@@ -3409,7 +3762,7 @@
           <p:cNvPr id="2" name="Date Placeholder 1">
             <a:extLst>
               <a:ext uri="{FF2B5EF4-FFF2-40B4-BE49-F238E27FC236}">
-                <a16:creationId xmlns:a16="http://schemas.microsoft.com/office/drawing/2014/main" id="{BE3BDCC8-E767-4841-875F-02CDB765CD93}"/>
+                <a16:creationId xmlns:a16="http://schemas.microsoft.com/office/drawing/2014/main" xmlns="" id="{BE3BDCC8-E767-4841-875F-02CDB765CD93}"/>
               </a:ext>
             </a:extLst>
           </p:cNvPr>
@@ -3427,7 +3780,7 @@
           <a:p>
             <a:fld id="{E3C92BFE-4E3A-4B1D-81FB-DE7EB3E30904}" type="datetimeFigureOut">
               <a:rPr lang="en-US" smtClean="0"/>
-              <a:t>8/14/2018</a:t>
+              <a:t>8/16/18</a:t>
             </a:fld>
             <a:endParaRPr lang="en-US"/>
           </a:p>
@@ -3438,7 +3791,7 @@
           <p:cNvPr id="3" name="Footer Placeholder 2">
             <a:extLst>
               <a:ext uri="{FF2B5EF4-FFF2-40B4-BE49-F238E27FC236}">
-                <a16:creationId xmlns:a16="http://schemas.microsoft.com/office/drawing/2014/main" id="{EF55F336-0245-4F9A-B457-B132CDDABFF9}"/>
+                <a16:creationId xmlns:a16="http://schemas.microsoft.com/office/drawing/2014/main" xmlns="" id="{EF55F336-0245-4F9A-B457-B132CDDABFF9}"/>
               </a:ext>
             </a:extLst>
           </p:cNvPr>
@@ -3463,7 +3816,7 @@
           <p:cNvPr id="4" name="Slide Number Placeholder 3">
             <a:extLst>
               <a:ext uri="{FF2B5EF4-FFF2-40B4-BE49-F238E27FC236}">
-                <a16:creationId xmlns:a16="http://schemas.microsoft.com/office/drawing/2014/main" id="{D872A29C-2D43-4D4F-8BA7-05042ED74E94}"/>
+                <a16:creationId xmlns:a16="http://schemas.microsoft.com/office/drawing/2014/main" xmlns="" id="{D872A29C-2D43-4D4F-8BA7-05042ED74E94}"/>
               </a:ext>
             </a:extLst>
           </p:cNvPr>
@@ -3522,7 +3875,7 @@
           <p:cNvPr id="2" name="Title 1">
             <a:extLst>
               <a:ext uri="{FF2B5EF4-FFF2-40B4-BE49-F238E27FC236}">
-                <a16:creationId xmlns:a16="http://schemas.microsoft.com/office/drawing/2014/main" id="{48BB02B2-4A2E-4993-A020-D9359F91F729}"/>
+                <a16:creationId xmlns:a16="http://schemas.microsoft.com/office/drawing/2014/main" xmlns="" id="{48BB02B2-4A2E-4993-A020-D9359F91F729}"/>
               </a:ext>
             </a:extLst>
           </p:cNvPr>
@@ -3559,7 +3912,7 @@
           <p:cNvPr id="3" name="Content Placeholder 2">
             <a:extLst>
               <a:ext uri="{FF2B5EF4-FFF2-40B4-BE49-F238E27FC236}">
-                <a16:creationId xmlns:a16="http://schemas.microsoft.com/office/drawing/2014/main" id="{4AD242C2-B387-485D-A1CD-0D3AEFDB6166}"/>
+                <a16:creationId xmlns:a16="http://schemas.microsoft.com/office/drawing/2014/main" xmlns="" id="{4AD242C2-B387-485D-A1CD-0D3AEFDB6166}"/>
               </a:ext>
             </a:extLst>
           </p:cNvPr>
@@ -3649,7 +4002,7 @@
           <p:cNvPr id="4" name="Text Placeholder 3">
             <a:extLst>
               <a:ext uri="{FF2B5EF4-FFF2-40B4-BE49-F238E27FC236}">
-                <a16:creationId xmlns:a16="http://schemas.microsoft.com/office/drawing/2014/main" id="{F2C71610-6AD7-4283-8C0B-420C70C0828B}"/>
+                <a16:creationId xmlns:a16="http://schemas.microsoft.com/office/drawing/2014/main" xmlns="" id="{F2C71610-6AD7-4283-8C0B-420C70C0828B}"/>
               </a:ext>
             </a:extLst>
           </p:cNvPr>
@@ -3720,7 +4073,7 @@
           <p:cNvPr id="5" name="Date Placeholder 4">
             <a:extLst>
               <a:ext uri="{FF2B5EF4-FFF2-40B4-BE49-F238E27FC236}">
-                <a16:creationId xmlns:a16="http://schemas.microsoft.com/office/drawing/2014/main" id="{67F4A8E6-4D47-4A29-BA76-F9F4E5DA6973}"/>
+                <a16:creationId xmlns:a16="http://schemas.microsoft.com/office/drawing/2014/main" xmlns="" id="{67F4A8E6-4D47-4A29-BA76-F9F4E5DA6973}"/>
               </a:ext>
             </a:extLst>
           </p:cNvPr>
@@ -3738,7 +4091,7 @@
           <a:p>
             <a:fld id="{E3C92BFE-4E3A-4B1D-81FB-DE7EB3E30904}" type="datetimeFigureOut">
               <a:rPr lang="en-US" smtClean="0"/>
-              <a:t>8/14/2018</a:t>
+              <a:t>8/16/18</a:t>
             </a:fld>
             <a:endParaRPr lang="en-US"/>
           </a:p>
@@ -3749,7 +4102,7 @@
           <p:cNvPr id="6" name="Footer Placeholder 5">
             <a:extLst>
               <a:ext uri="{FF2B5EF4-FFF2-40B4-BE49-F238E27FC236}">
-                <a16:creationId xmlns:a16="http://schemas.microsoft.com/office/drawing/2014/main" id="{B377A027-35DC-4A77-9369-AA184E4F45EC}"/>
+                <a16:creationId xmlns:a16="http://schemas.microsoft.com/office/drawing/2014/main" xmlns="" id="{B377A027-35DC-4A77-9369-AA184E4F45EC}"/>
               </a:ext>
             </a:extLst>
           </p:cNvPr>
@@ -3774,7 +4127,7 @@
           <p:cNvPr id="7" name="Slide Number Placeholder 6">
             <a:extLst>
               <a:ext uri="{FF2B5EF4-FFF2-40B4-BE49-F238E27FC236}">
-                <a16:creationId xmlns:a16="http://schemas.microsoft.com/office/drawing/2014/main" id="{EC9F10E0-0143-478A-9637-2E35A0D88DAB}"/>
+                <a16:creationId xmlns:a16="http://schemas.microsoft.com/office/drawing/2014/main" xmlns="" id="{EC9F10E0-0143-478A-9637-2E35A0D88DAB}"/>
               </a:ext>
             </a:extLst>
           </p:cNvPr>
@@ -3833,7 +4186,7 @@
           <p:cNvPr id="2" name="Title 1">
             <a:extLst>
               <a:ext uri="{FF2B5EF4-FFF2-40B4-BE49-F238E27FC236}">
-                <a16:creationId xmlns:a16="http://schemas.microsoft.com/office/drawing/2014/main" id="{0F8F7BCB-D083-46C5-A768-C56D2BCCC856}"/>
+                <a16:creationId xmlns:a16="http://schemas.microsoft.com/office/drawing/2014/main" xmlns="" id="{0F8F7BCB-D083-46C5-A768-C56D2BCCC856}"/>
               </a:ext>
             </a:extLst>
           </p:cNvPr>
@@ -3870,7 +4223,7 @@
           <p:cNvPr id="3" name="Picture Placeholder 2">
             <a:extLst>
               <a:ext uri="{FF2B5EF4-FFF2-40B4-BE49-F238E27FC236}">
-                <a16:creationId xmlns:a16="http://schemas.microsoft.com/office/drawing/2014/main" id="{EB4C4DF2-ED6A-44BB-ACD0-7E2ADCF21622}"/>
+                <a16:creationId xmlns:a16="http://schemas.microsoft.com/office/drawing/2014/main" xmlns="" id="{EB4C4DF2-ED6A-44BB-ACD0-7E2ADCF21622}"/>
               </a:ext>
             </a:extLst>
           </p:cNvPr>
@@ -3937,7 +4290,7 @@
           <p:cNvPr id="4" name="Text Placeholder 3">
             <a:extLst>
               <a:ext uri="{FF2B5EF4-FFF2-40B4-BE49-F238E27FC236}">
-                <a16:creationId xmlns:a16="http://schemas.microsoft.com/office/drawing/2014/main" id="{552630C2-6286-4941-96C2-D37390B8AA73}"/>
+                <a16:creationId xmlns:a16="http://schemas.microsoft.com/office/drawing/2014/main" xmlns="" id="{552630C2-6286-4941-96C2-D37390B8AA73}"/>
               </a:ext>
             </a:extLst>
           </p:cNvPr>
@@ -4008,7 +4361,7 @@
           <p:cNvPr id="5" name="Date Placeholder 4">
             <a:extLst>
               <a:ext uri="{FF2B5EF4-FFF2-40B4-BE49-F238E27FC236}">
-                <a16:creationId xmlns:a16="http://schemas.microsoft.com/office/drawing/2014/main" id="{D982C92C-DB34-4AC1-BCA7-826CC0832E3F}"/>
+                <a16:creationId xmlns:a16="http://schemas.microsoft.com/office/drawing/2014/main" xmlns="" id="{D982C92C-DB34-4AC1-BCA7-826CC0832E3F}"/>
               </a:ext>
             </a:extLst>
           </p:cNvPr>
@@ -4026,7 +4379,7 @@
           <a:p>
             <a:fld id="{E3C92BFE-4E3A-4B1D-81FB-DE7EB3E30904}" type="datetimeFigureOut">
               <a:rPr lang="en-US" smtClean="0"/>
-              <a:t>8/14/2018</a:t>
+              <a:t>8/16/18</a:t>
             </a:fld>
             <a:endParaRPr lang="en-US"/>
           </a:p>
@@ -4037,7 +4390,7 @@
           <p:cNvPr id="6" name="Footer Placeholder 5">
             <a:extLst>
               <a:ext uri="{FF2B5EF4-FFF2-40B4-BE49-F238E27FC236}">
-                <a16:creationId xmlns:a16="http://schemas.microsoft.com/office/drawing/2014/main" id="{22E33256-67E6-45BC-B7C8-2E7DEC5A71E6}"/>
+                <a16:creationId xmlns:a16="http://schemas.microsoft.com/office/drawing/2014/main" xmlns="" id="{22E33256-67E6-45BC-B7C8-2E7DEC5A71E6}"/>
               </a:ext>
             </a:extLst>
           </p:cNvPr>
@@ -4062,7 +4415,7 @@
           <p:cNvPr id="7" name="Slide Number Placeholder 6">
             <a:extLst>
               <a:ext uri="{FF2B5EF4-FFF2-40B4-BE49-F238E27FC236}">
-                <a16:creationId xmlns:a16="http://schemas.microsoft.com/office/drawing/2014/main" id="{383D6F7B-D4CE-4414-ABC8-54E0492CED54}"/>
+                <a16:creationId xmlns:a16="http://schemas.microsoft.com/office/drawing/2014/main" xmlns="" id="{383D6F7B-D4CE-4414-ABC8-54E0492CED54}"/>
               </a:ext>
             </a:extLst>
           </p:cNvPr>
@@ -4126,7 +4479,7 @@
           <p:cNvPr id="2" name="Title Placeholder 1">
             <a:extLst>
               <a:ext uri="{FF2B5EF4-FFF2-40B4-BE49-F238E27FC236}">
-                <a16:creationId xmlns:a16="http://schemas.microsoft.com/office/drawing/2014/main" id="{4E295597-69FE-45D4-BBEA-6A21A39F95C5}"/>
+                <a16:creationId xmlns:a16="http://schemas.microsoft.com/office/drawing/2014/main" xmlns="" id="{4E295597-69FE-45D4-BBEA-6A21A39F95C5}"/>
               </a:ext>
             </a:extLst>
           </p:cNvPr>
@@ -4164,7 +4517,7 @@
           <p:cNvPr id="3" name="Text Placeholder 2">
             <a:extLst>
               <a:ext uri="{FF2B5EF4-FFF2-40B4-BE49-F238E27FC236}">
-                <a16:creationId xmlns:a16="http://schemas.microsoft.com/office/drawing/2014/main" id="{80018E9F-3EBA-490F-8F76-AB96ED0CC391}"/>
+                <a16:creationId xmlns:a16="http://schemas.microsoft.com/office/drawing/2014/main" xmlns="" id="{80018E9F-3EBA-490F-8F76-AB96ED0CC391}"/>
               </a:ext>
             </a:extLst>
           </p:cNvPr>
@@ -4231,7 +4584,7 @@
           <p:cNvPr id="4" name="Date Placeholder 3">
             <a:extLst>
               <a:ext uri="{FF2B5EF4-FFF2-40B4-BE49-F238E27FC236}">
-                <a16:creationId xmlns:a16="http://schemas.microsoft.com/office/drawing/2014/main" id="{C2036D23-0B5A-44F7-A8FD-113D2490EB20}"/>
+                <a16:creationId xmlns:a16="http://schemas.microsoft.com/office/drawing/2014/main" xmlns="" id="{C2036D23-0B5A-44F7-A8FD-113D2490EB20}"/>
               </a:ext>
             </a:extLst>
           </p:cNvPr>
@@ -4267,7 +4620,7 @@
           <a:p>
             <a:fld id="{E3C92BFE-4E3A-4B1D-81FB-DE7EB3E30904}" type="datetimeFigureOut">
               <a:rPr lang="en-US" smtClean="0"/>
-              <a:t>8/14/2018</a:t>
+              <a:t>8/16/18</a:t>
             </a:fld>
             <a:endParaRPr lang="en-US"/>
           </a:p>
@@ -4278,7 +4631,7 @@
           <p:cNvPr id="5" name="Footer Placeholder 4">
             <a:extLst>
               <a:ext uri="{FF2B5EF4-FFF2-40B4-BE49-F238E27FC236}">
-                <a16:creationId xmlns:a16="http://schemas.microsoft.com/office/drawing/2014/main" id="{A90E8340-6703-4B2C-88DA-750298AA3778}"/>
+                <a16:creationId xmlns:a16="http://schemas.microsoft.com/office/drawing/2014/main" xmlns="" id="{A90E8340-6703-4B2C-88DA-750298AA3778}"/>
               </a:ext>
             </a:extLst>
           </p:cNvPr>
@@ -4321,7 +4674,7 @@
           <p:cNvPr id="6" name="Slide Number Placeholder 5">
             <a:extLst>
               <a:ext uri="{FF2B5EF4-FFF2-40B4-BE49-F238E27FC236}">
-                <a16:creationId xmlns:a16="http://schemas.microsoft.com/office/drawing/2014/main" id="{6E70E0DB-AE76-44A3-8B50-7EC6FB3AB446}"/>
+                <a16:creationId xmlns:a16="http://schemas.microsoft.com/office/drawing/2014/main" xmlns="" id="{6E70E0DB-AE76-44A3-8B50-7EC6FB3AB446}"/>
               </a:ext>
             </a:extLst>
           </p:cNvPr>
@@ -4770,7 +5123,7 @@
           <p:cNvPr id="2" name="Title 1">
             <a:extLst>
               <a:ext uri="{FF2B5EF4-FFF2-40B4-BE49-F238E27FC236}">
-                <a16:creationId xmlns:a16="http://schemas.microsoft.com/office/drawing/2014/main" id="{A55E3E7C-7A88-4C8B-A31F-9219AB09B092}"/>
+                <a16:creationId xmlns:a16="http://schemas.microsoft.com/office/drawing/2014/main" xmlns="" id="{A55E3E7C-7A88-4C8B-A31F-9219AB09B092}"/>
               </a:ext>
             </a:extLst>
           </p:cNvPr>
@@ -4798,7 +5151,7 @@
           <p:cNvPr id="3" name="Content Placeholder 2">
             <a:extLst>
               <a:ext uri="{FF2B5EF4-FFF2-40B4-BE49-F238E27FC236}">
-                <a16:creationId xmlns:a16="http://schemas.microsoft.com/office/drawing/2014/main" id="{CB1BED14-16C4-4C60-B13C-6FAE776570E9}"/>
+                <a16:creationId xmlns:a16="http://schemas.microsoft.com/office/drawing/2014/main" xmlns="" id="{CB1BED14-16C4-4C60-B13C-6FAE776570E9}"/>
               </a:ext>
             </a:extLst>
           </p:cNvPr>
@@ -4858,7 +5211,7 @@
           <p:cNvPr id="4" name="Footer Placeholder 3">
             <a:extLst>
               <a:ext uri="{FF2B5EF4-FFF2-40B4-BE49-F238E27FC236}">
-                <a16:creationId xmlns:a16="http://schemas.microsoft.com/office/drawing/2014/main" id="{896D4A9B-31AF-4EC2-9F47-5F2F9B70E61B}"/>
+                <a16:creationId xmlns:a16="http://schemas.microsoft.com/office/drawing/2014/main" xmlns="" id="{896D4A9B-31AF-4EC2-9F47-5F2F9B70E61B}"/>
               </a:ext>
             </a:extLst>
           </p:cNvPr>
@@ -4907,7 +5260,7 @@
           <p:cNvPr id="5" name="Slide Number Placeholder 4">
             <a:extLst>
               <a:ext uri="{FF2B5EF4-FFF2-40B4-BE49-F238E27FC236}">
-                <a16:creationId xmlns:a16="http://schemas.microsoft.com/office/drawing/2014/main" id="{D87DD39C-DFBD-411D-A2CD-463D3D2CDC47}"/>
+                <a16:creationId xmlns:a16="http://schemas.microsoft.com/office/drawing/2014/main" xmlns="" id="{D87DD39C-DFBD-411D-A2CD-463D3D2CDC47}"/>
               </a:ext>
             </a:extLst>
           </p:cNvPr>
@@ -4967,7 +5320,7 @@
           <p:cNvPr id="2" name="Title 1">
             <a:extLst>
               <a:ext uri="{FF2B5EF4-FFF2-40B4-BE49-F238E27FC236}">
-                <a16:creationId xmlns:a16="http://schemas.microsoft.com/office/drawing/2014/main" id="{A55E3E7C-7A88-4C8B-A31F-9219AB09B092}"/>
+                <a16:creationId xmlns:a16="http://schemas.microsoft.com/office/drawing/2014/main" xmlns="" id="{A55E3E7C-7A88-4C8B-A31F-9219AB09B092}"/>
               </a:ext>
             </a:extLst>
           </p:cNvPr>
@@ -4995,7 +5348,7 @@
           <p:cNvPr id="3" name="Content Placeholder 2">
             <a:extLst>
               <a:ext uri="{FF2B5EF4-FFF2-40B4-BE49-F238E27FC236}">
-                <a16:creationId xmlns:a16="http://schemas.microsoft.com/office/drawing/2014/main" id="{CB1BED14-16C4-4C60-B13C-6FAE776570E9}"/>
+                <a16:creationId xmlns:a16="http://schemas.microsoft.com/office/drawing/2014/main" xmlns="" id="{CB1BED14-16C4-4C60-B13C-6FAE776570E9}"/>
               </a:ext>
             </a:extLst>
           </p:cNvPr>
@@ -5047,7 +5400,7 @@
           <p:cNvPr id="4" name="Footer Placeholder 3">
             <a:extLst>
               <a:ext uri="{FF2B5EF4-FFF2-40B4-BE49-F238E27FC236}">
-                <a16:creationId xmlns:a16="http://schemas.microsoft.com/office/drawing/2014/main" id="{896D4A9B-31AF-4EC2-9F47-5F2F9B70E61B}"/>
+                <a16:creationId xmlns:a16="http://schemas.microsoft.com/office/drawing/2014/main" xmlns="" id="{896D4A9B-31AF-4EC2-9F47-5F2F9B70E61B}"/>
               </a:ext>
             </a:extLst>
           </p:cNvPr>
@@ -5096,7 +5449,7 @@
           <p:cNvPr id="5" name="Slide Number Placeholder 4">
             <a:extLst>
               <a:ext uri="{FF2B5EF4-FFF2-40B4-BE49-F238E27FC236}">
-                <a16:creationId xmlns:a16="http://schemas.microsoft.com/office/drawing/2014/main" id="{D87DD39C-DFBD-411D-A2CD-463D3D2CDC47}"/>
+                <a16:creationId xmlns:a16="http://schemas.microsoft.com/office/drawing/2014/main" xmlns="" id="{D87DD39C-DFBD-411D-A2CD-463D3D2CDC47}"/>
               </a:ext>
             </a:extLst>
           </p:cNvPr>
@@ -5131,6 +5484,13 @@
   <p:clrMapOvr>
     <a:masterClrMapping/>
   </p:clrMapOvr>
+  <p:timing>
+    <p:tnLst>
+      <p:par>
+        <p:cTn id="1" dur="indefinite" restart="never" nodeType="tmRoot"/>
+      </p:par>
+    </p:tnLst>
+  </p:timing>
 </p:sld>
 </file>
 
@@ -5164,10 +5524,10 @@
           <p:cNvPr id="71" name="Rectangle 70">
             <a:extLst>
               <a:ext uri="{FF2B5EF4-FFF2-40B4-BE49-F238E27FC236}">
-                <a16:creationId xmlns:a16="http://schemas.microsoft.com/office/drawing/2014/main" id="{AB45A142-4255-493C-8284-5D566C121B10}"/>
+                <a16:creationId xmlns:a16="http://schemas.microsoft.com/office/drawing/2014/main" xmlns="" id="{AB45A142-4255-493C-8284-5D566C121B10}"/>
               </a:ext>
               <a:ext uri="{C183D7F6-B498-43B3-948B-1728B52AA6E4}">
-                <adec:decorative xmlns:adec="http://schemas.microsoft.com/office/drawing/2017/decorative" val="1"/>
+                <adec:decorative xmlns:adec="http://schemas.microsoft.com/office/drawing/2017/decorative" xmlns="" val="1"/>
               </a:ext>
             </a:extLst>
           </p:cNvPr>
@@ -5233,7 +5593,7 @@
           <p:cNvPr id="2" name="Title 1">
             <a:extLst>
               <a:ext uri="{FF2B5EF4-FFF2-40B4-BE49-F238E27FC236}">
-                <a16:creationId xmlns:a16="http://schemas.microsoft.com/office/drawing/2014/main" id="{EBD4C795-5948-4200-AF8A-A820B83B9F75}"/>
+                <a16:creationId xmlns:a16="http://schemas.microsoft.com/office/drawing/2014/main" xmlns="" id="{EBD4C795-5948-4200-AF8A-A820B83B9F75}"/>
               </a:ext>
             </a:extLst>
           </p:cNvPr>
@@ -5276,10 +5636,10 @@
           <p:cNvPr id="73" name="Straight Connector 72">
             <a:extLst>
               <a:ext uri="{FF2B5EF4-FFF2-40B4-BE49-F238E27FC236}">
-                <a16:creationId xmlns:a16="http://schemas.microsoft.com/office/drawing/2014/main" id="{38FB9660-F42F-4313-BBC4-47C007FE484C}"/>
+                <a16:creationId xmlns:a16="http://schemas.microsoft.com/office/drawing/2014/main" xmlns="" id="{38FB9660-F42F-4313-BBC4-47C007FE484C}"/>
               </a:ext>
               <a:ext uri="{C183D7F6-B498-43B3-948B-1728B52AA6E4}">
-                <adec:decorative xmlns:adec="http://schemas.microsoft.com/office/drawing/2017/decorative" val="1"/>
+                <adec:decorative xmlns:adec="http://schemas.microsoft.com/office/drawing/2017/decorative" xmlns="" val="1"/>
               </a:ext>
             </a:extLst>
           </p:cNvPr>
@@ -5328,7 +5688,7 @@
           <p:cNvPr id="1026" name="Picture 2" descr="Prognostic versus predictive biomarkers. An idealized example of the interrogation of the prognostic versus predictive properties of a biomarker (BM) are shown. (A) An experimental treatment (Exp Treatment) is tested in a randomized controlled fashion against a placebo or control arm and shown to confer a survival advantage. A biomarker (BM) has been shown to correlate with improved benefit with the Exp Treatment in prior uncontrolled studies without a control arm. By segregating the groups based on their treatment arms and BM status (BM+/Placebo; BM+/Exp Treatment; BM-/Placebo; and BM-/Exp Treatment) it is possible to distinguish whether the BM is purely prognostic versus predictive. (B) The BM is purely prognostic and therefore independent of the treatment effect. The relative magnitude of the benefit from the Exp Treatment is similar for each BM group. (C) The BM is purely predictive for the Exp Treatment and all the benefit from the Exp treatment is exhibited only for patients in the BM+ group.Â ">
             <a:extLst>
               <a:ext uri="{FF2B5EF4-FFF2-40B4-BE49-F238E27FC236}">
-                <a16:creationId xmlns:a16="http://schemas.microsoft.com/office/drawing/2014/main" id="{E1F2FD62-70D4-4F80-A988-F11F499B722C}"/>
+                <a16:creationId xmlns:a16="http://schemas.microsoft.com/office/drawing/2014/main" xmlns="" id="{E1F2FD62-70D4-4F80-A988-F11F499B722C}"/>
               </a:ext>
             </a:extLst>
           </p:cNvPr>
@@ -5354,7 +5714,7 @@
         </p:blipFill>
         <p:spPr bwMode="auto">
           <a:xfrm>
-            <a:off x="5153822" y="958044"/>
+            <a:off x="5132801" y="914400"/>
             <a:ext cx="6553545" cy="4949853"/>
           </a:xfrm>
           <a:prstGeom prst="rect">
@@ -5377,7 +5737,7 @@
           <p:cNvPr id="4" name="TextBox 3">
             <a:extLst>
               <a:ext uri="{FF2B5EF4-FFF2-40B4-BE49-F238E27FC236}">
-                <a16:creationId xmlns:a16="http://schemas.microsoft.com/office/drawing/2014/main" id="{8C9D06E2-EC09-44B4-9A03-45769D517E2B}"/>
+                <a16:creationId xmlns:a16="http://schemas.microsoft.com/office/drawing/2014/main" xmlns="" id="{8C9D06E2-EC09-44B4-9A03-45769D517E2B}"/>
               </a:ext>
             </a:extLst>
           </p:cNvPr>
@@ -5425,6 +5785,13 @@
   <p:clrMapOvr>
     <a:masterClrMapping/>
   </p:clrMapOvr>
+  <p:timing>
+    <p:tnLst>
+      <p:par>
+        <p:cTn id="1" dur="indefinite" restart="never" nodeType="tmRoot"/>
+      </p:par>
+    </p:tnLst>
+  </p:timing>
 </p:sld>
 </file>
 
@@ -5458,10 +5825,10 @@
           <p:cNvPr id="71" name="Rectangle 70">
             <a:extLst>
               <a:ext uri="{FF2B5EF4-FFF2-40B4-BE49-F238E27FC236}">
-                <a16:creationId xmlns:a16="http://schemas.microsoft.com/office/drawing/2014/main" id="{32BC26D8-82FB-445E-AA49-62A77D7C1EE0}"/>
+                <a16:creationId xmlns:a16="http://schemas.microsoft.com/office/drawing/2014/main" xmlns="" id="{32BC26D8-82FB-445E-AA49-62A77D7C1EE0}"/>
               </a:ext>
               <a:ext uri="{C183D7F6-B498-43B3-948B-1728B52AA6E4}">
-                <adec:decorative xmlns:adec="http://schemas.microsoft.com/office/drawing/2017/decorative" val="1"/>
+                <adec:decorative xmlns:adec="http://schemas.microsoft.com/office/drawing/2017/decorative" xmlns="" val="1"/>
               </a:ext>
             </a:extLst>
           </p:cNvPr>
@@ -5524,10 +5891,10 @@
           <p:cNvPr id="73" name="Rectangle 72">
             <a:extLst>
               <a:ext uri="{FF2B5EF4-FFF2-40B4-BE49-F238E27FC236}">
-                <a16:creationId xmlns:a16="http://schemas.microsoft.com/office/drawing/2014/main" id="{CB44330D-EA18-4254-AA95-EB49948539B8}"/>
+                <a16:creationId xmlns:a16="http://schemas.microsoft.com/office/drawing/2014/main" xmlns="" id="{CB44330D-EA18-4254-AA95-EB49948539B8}"/>
               </a:ext>
               <a:ext uri="{C183D7F6-B498-43B3-948B-1728B52AA6E4}">
-                <adec:decorative xmlns:adec="http://schemas.microsoft.com/office/drawing/2017/decorative" val="1"/>
+                <adec:decorative xmlns:adec="http://schemas.microsoft.com/office/drawing/2017/decorative" xmlns="" val="1"/>
               </a:ext>
             </a:extLst>
           </p:cNvPr>
@@ -5587,7 +5954,7 @@
           <p:cNvPr id="1026" name="Picture 2" descr="https://www.almacgroup.com/wp-content/uploads/2017/05/image-two.png">
             <a:extLst>
               <a:ext uri="{FF2B5EF4-FFF2-40B4-BE49-F238E27FC236}">
-                <a16:creationId xmlns:a16="http://schemas.microsoft.com/office/drawing/2014/main" id="{E867E7A2-8CC0-46B4-BFF0-6C32B06ABEE2}"/>
+                <a16:creationId xmlns:a16="http://schemas.microsoft.com/office/drawing/2014/main" xmlns="" id="{E867E7A2-8CC0-46B4-BFF0-6C32B06ABEE2}"/>
               </a:ext>
             </a:extLst>
           </p:cNvPr>
@@ -5634,7 +6001,7 @@
           <p:cNvPr id="5" name="Rectangle 4">
             <a:extLst>
               <a:ext uri="{FF2B5EF4-FFF2-40B4-BE49-F238E27FC236}">
-                <a16:creationId xmlns:a16="http://schemas.microsoft.com/office/drawing/2014/main" id="{4E2B386B-E39D-49FE-A910-C82ADD38FF9D}"/>
+                <a16:creationId xmlns:a16="http://schemas.microsoft.com/office/drawing/2014/main" xmlns="" id="{4E2B386B-E39D-49FE-A910-C82ADD38FF9D}"/>
               </a:ext>
             </a:extLst>
           </p:cNvPr>
@@ -5688,7 +6055,7 @@
           <p:cNvPr id="6" name="TextBox 5">
             <a:extLst>
               <a:ext uri="{FF2B5EF4-FFF2-40B4-BE49-F238E27FC236}">
-                <a16:creationId xmlns:a16="http://schemas.microsoft.com/office/drawing/2014/main" id="{0773589D-C5B3-4615-A900-47F413CA0D37}"/>
+                <a16:creationId xmlns:a16="http://schemas.microsoft.com/office/drawing/2014/main" xmlns="" id="{0773589D-C5B3-4615-A900-47F413CA0D37}"/>
               </a:ext>
             </a:extLst>
           </p:cNvPr>
@@ -5730,7 +6097,7 @@
           <p:cNvPr id="7" name="Rectangle: Rounded Corners 6">
             <a:extLst>
               <a:ext uri="{FF2B5EF4-FFF2-40B4-BE49-F238E27FC236}">
-                <a16:creationId xmlns:a16="http://schemas.microsoft.com/office/drawing/2014/main" id="{D8171938-008D-42E2-BEAB-8033B90F3225}"/>
+                <a16:creationId xmlns:a16="http://schemas.microsoft.com/office/drawing/2014/main" xmlns="" id="{D8171938-008D-42E2-BEAB-8033B90F3225}"/>
               </a:ext>
             </a:extLst>
           </p:cNvPr>
@@ -5784,7 +6151,7 @@
           <p:cNvPr id="10" name="TextBox 9">
             <a:extLst>
               <a:ext uri="{FF2B5EF4-FFF2-40B4-BE49-F238E27FC236}">
-                <a16:creationId xmlns:a16="http://schemas.microsoft.com/office/drawing/2014/main" id="{C7B28F70-E44D-430F-A8AD-A49444776531}"/>
+                <a16:creationId xmlns:a16="http://schemas.microsoft.com/office/drawing/2014/main" xmlns="" id="{C7B28F70-E44D-430F-A8AD-A49444776531}"/>
               </a:ext>
             </a:extLst>
           </p:cNvPr>
@@ -5826,7 +6193,7 @@
           <p:cNvPr id="12" name="Title 1">
             <a:extLst>
               <a:ext uri="{FF2B5EF4-FFF2-40B4-BE49-F238E27FC236}">
-                <a16:creationId xmlns:a16="http://schemas.microsoft.com/office/drawing/2014/main" id="{38583C8C-DF97-4568-BBC0-1E6B87C39B83}"/>
+                <a16:creationId xmlns:a16="http://schemas.microsoft.com/office/drawing/2014/main" xmlns="" id="{38583C8C-DF97-4568-BBC0-1E6B87C39B83}"/>
               </a:ext>
             </a:extLst>
           </p:cNvPr>
@@ -5864,6 +6231,13 @@
   <p:clrMapOvr>
     <a:masterClrMapping/>
   </p:clrMapOvr>
+  <p:timing>
+    <p:tnLst>
+      <p:par>
+        <p:cTn id="1" dur="indefinite" restart="never" nodeType="tmRoot"/>
+      </p:par>
+    </p:tnLst>
+  </p:timing>
 </p:sld>
 </file>
 
@@ -5889,7 +6263,7 @@
           <p:cNvPr id="2" name="Title 1">
             <a:extLst>
               <a:ext uri="{FF2B5EF4-FFF2-40B4-BE49-F238E27FC236}">
-                <a16:creationId xmlns:a16="http://schemas.microsoft.com/office/drawing/2014/main" id="{A55E3E7C-7A88-4C8B-A31F-9219AB09B092}"/>
+                <a16:creationId xmlns:a16="http://schemas.microsoft.com/office/drawing/2014/main" xmlns="" id="{A55E3E7C-7A88-4C8B-A31F-9219AB09B092}"/>
               </a:ext>
             </a:extLst>
           </p:cNvPr>
@@ -5917,7 +6291,7 @@
           <p:cNvPr id="3" name="Content Placeholder 2">
             <a:extLst>
               <a:ext uri="{FF2B5EF4-FFF2-40B4-BE49-F238E27FC236}">
-                <a16:creationId xmlns:a16="http://schemas.microsoft.com/office/drawing/2014/main" id="{CB1BED14-16C4-4C60-B13C-6FAE776570E9}"/>
+                <a16:creationId xmlns:a16="http://schemas.microsoft.com/office/drawing/2014/main" xmlns="" id="{CB1BED14-16C4-4C60-B13C-6FAE776570E9}"/>
               </a:ext>
             </a:extLst>
           </p:cNvPr>
@@ -5980,7 +6354,7 @@
           <p:cNvPr id="4" name="Footer Placeholder 3">
             <a:extLst>
               <a:ext uri="{FF2B5EF4-FFF2-40B4-BE49-F238E27FC236}">
-                <a16:creationId xmlns:a16="http://schemas.microsoft.com/office/drawing/2014/main" id="{896D4A9B-31AF-4EC2-9F47-5F2F9B70E61B}"/>
+                <a16:creationId xmlns:a16="http://schemas.microsoft.com/office/drawing/2014/main" xmlns="" id="{896D4A9B-31AF-4EC2-9F47-5F2F9B70E61B}"/>
               </a:ext>
             </a:extLst>
           </p:cNvPr>
@@ -6029,7 +6403,7 @@
           <p:cNvPr id="5" name="Slide Number Placeholder 4">
             <a:extLst>
               <a:ext uri="{FF2B5EF4-FFF2-40B4-BE49-F238E27FC236}">
-                <a16:creationId xmlns:a16="http://schemas.microsoft.com/office/drawing/2014/main" id="{D87DD39C-DFBD-411D-A2CD-463D3D2CDC47}"/>
+                <a16:creationId xmlns:a16="http://schemas.microsoft.com/office/drawing/2014/main" xmlns="" id="{D87DD39C-DFBD-411D-A2CD-463D3D2CDC47}"/>
               </a:ext>
             </a:extLst>
           </p:cNvPr>
@@ -6363,7 +6737,7 @@
           <p:cNvPr id="2" name="Title 1">
             <a:extLst>
               <a:ext uri="{FF2B5EF4-FFF2-40B4-BE49-F238E27FC236}">
-                <a16:creationId xmlns:a16="http://schemas.microsoft.com/office/drawing/2014/main" id="{A55E3E7C-7A88-4C8B-A31F-9219AB09B092}"/>
+                <a16:creationId xmlns:a16="http://schemas.microsoft.com/office/drawing/2014/main" xmlns="" id="{A55E3E7C-7A88-4C8B-A31F-9219AB09B092}"/>
               </a:ext>
             </a:extLst>
           </p:cNvPr>
@@ -6391,7 +6765,7 @@
           <p:cNvPr id="3" name="Content Placeholder 2">
             <a:extLst>
               <a:ext uri="{FF2B5EF4-FFF2-40B4-BE49-F238E27FC236}">
-                <a16:creationId xmlns:a16="http://schemas.microsoft.com/office/drawing/2014/main" id="{CB1BED14-16C4-4C60-B13C-6FAE776570E9}"/>
+                <a16:creationId xmlns:a16="http://schemas.microsoft.com/office/drawing/2014/main" xmlns="" id="{CB1BED14-16C4-4C60-B13C-6FAE776570E9}"/>
               </a:ext>
             </a:extLst>
           </p:cNvPr>
@@ -6437,7 +6811,7 @@
           <p:cNvPr id="4" name="Footer Placeholder 3">
             <a:extLst>
               <a:ext uri="{FF2B5EF4-FFF2-40B4-BE49-F238E27FC236}">
-                <a16:creationId xmlns:a16="http://schemas.microsoft.com/office/drawing/2014/main" id="{896D4A9B-31AF-4EC2-9F47-5F2F9B70E61B}"/>
+                <a16:creationId xmlns:a16="http://schemas.microsoft.com/office/drawing/2014/main" xmlns="" id="{896D4A9B-31AF-4EC2-9F47-5F2F9B70E61B}"/>
               </a:ext>
             </a:extLst>
           </p:cNvPr>
@@ -6486,7 +6860,7 @@
           <p:cNvPr id="5" name="Slide Number Placeholder 4">
             <a:extLst>
               <a:ext uri="{FF2B5EF4-FFF2-40B4-BE49-F238E27FC236}">
-                <a16:creationId xmlns:a16="http://schemas.microsoft.com/office/drawing/2014/main" id="{D87DD39C-DFBD-411D-A2CD-463D3D2CDC47}"/>
+                <a16:creationId xmlns:a16="http://schemas.microsoft.com/office/drawing/2014/main" xmlns="" id="{D87DD39C-DFBD-411D-A2CD-463D3D2CDC47}"/>
               </a:ext>
             </a:extLst>
           </p:cNvPr>
@@ -7022,4 +7396,265 @@
     </a:ext>
   </a:extLst>
 </a:theme>
+</file>
+
+<file path=ppt/theme/theme2.xml><?xml version="1.0" encoding="utf-8"?>
+<a:theme xmlns:a="http://schemas.openxmlformats.org/drawingml/2006/main" name="Office Theme">
+  <a:themeElements>
+    <a:clrScheme name="Office">
+      <a:dk1>
+        <a:sysClr val="windowText" lastClr="000000"/>
+      </a:dk1>
+      <a:lt1>
+        <a:sysClr val="window" lastClr="FFFFFF"/>
+      </a:lt1>
+      <a:dk2>
+        <a:srgbClr val="44546A"/>
+      </a:dk2>
+      <a:lt2>
+        <a:srgbClr val="E7E6E6"/>
+      </a:lt2>
+      <a:accent1>
+        <a:srgbClr val="4472C4"/>
+      </a:accent1>
+      <a:accent2>
+        <a:srgbClr val="ED7D31"/>
+      </a:accent2>
+      <a:accent3>
+        <a:srgbClr val="A5A5A5"/>
+      </a:accent3>
+      <a:accent4>
+        <a:srgbClr val="FFC000"/>
+      </a:accent4>
+      <a:accent5>
+        <a:srgbClr val="5B9BD5"/>
+      </a:accent5>
+      <a:accent6>
+        <a:srgbClr val="70AD47"/>
+      </a:accent6>
+      <a:hlink>
+        <a:srgbClr val="0563C1"/>
+      </a:hlink>
+      <a:folHlink>
+        <a:srgbClr val="954F72"/>
+      </a:folHlink>
+    </a:clrScheme>
+    <a:fontScheme name="Office">
+      <a:majorFont>
+        <a:latin typeface="Calibri Light" panose="020F0302020204030204"/>
+        <a:ea typeface=""/>
+        <a:cs typeface=""/>
+        <a:font script="Jpan" typeface="Yu Gothic Light"/>
+        <a:font script="Hang" typeface="맑은 고딕"/>
+        <a:font script="Hans" typeface="DengXian Light"/>
+        <a:font script="Hant" typeface="新細明體"/>
+        <a:font script="Arab" typeface="Times New Roman"/>
+        <a:font script="Hebr" typeface="Times New Roman"/>
+        <a:font script="Thai" typeface="Angsana New"/>
+        <a:font script="Ethi" typeface="Nyala"/>
+        <a:font script="Beng" typeface="Vrinda"/>
+        <a:font script="Gujr" typeface="Shruti"/>
+        <a:font script="Khmr" typeface="MoolBoran"/>
+        <a:font script="Knda" typeface="Tunga"/>
+        <a:font script="Guru" typeface="Raavi"/>
+        <a:font script="Cans" typeface="Euphemia"/>
+        <a:font script="Cher" typeface="Plantagenet Cherokee"/>
+        <a:font script="Yiii" typeface="Microsoft Yi Baiti"/>
+        <a:font script="Tibt" typeface="Microsoft Himalaya"/>
+        <a:font script="Thaa" typeface="MV Boli"/>
+        <a:font script="Deva" typeface="Mangal"/>
+        <a:font script="Telu" typeface="Gautami"/>
+        <a:font script="Taml" typeface="Latha"/>
+        <a:font script="Syrc" typeface="Estrangelo Edessa"/>
+        <a:font script="Orya" typeface="Kalinga"/>
+        <a:font script="Mlym" typeface="Kartika"/>
+        <a:font script="Laoo" typeface="DokChampa"/>
+        <a:font script="Sinh" typeface="Iskoola Pota"/>
+        <a:font script="Mong" typeface="Mongolian Baiti"/>
+        <a:font script="Viet" typeface="Times New Roman"/>
+        <a:font script="Uigh" typeface="Microsoft Uighur"/>
+        <a:font script="Geor" typeface="Sylfaen"/>
+      </a:majorFont>
+      <a:minorFont>
+        <a:latin typeface="Calibri" panose="020F0502020204030204"/>
+        <a:ea typeface=""/>
+        <a:cs typeface=""/>
+        <a:font script="Jpan" typeface="Yu Gothic"/>
+        <a:font script="Hang" typeface="맑은 고딕"/>
+        <a:font script="Hans" typeface="DengXian"/>
+        <a:font script="Hant" typeface="新細明體"/>
+        <a:font script="Arab" typeface="Arial"/>
+        <a:font script="Hebr" typeface="Arial"/>
+        <a:font script="Thai" typeface="Cordia New"/>
+        <a:font script="Ethi" typeface="Nyala"/>
+        <a:font script="Beng" typeface="Vrinda"/>
+        <a:font script="Gujr" typeface="Shruti"/>
+        <a:font script="Khmr" typeface="DaunPenh"/>
+        <a:font script="Knda" typeface="Tunga"/>
+        <a:font script="Guru" typeface="Raavi"/>
+        <a:font script="Cans" typeface="Euphemia"/>
+        <a:font script="Cher" typeface="Plantagenet Cherokee"/>
+        <a:font script="Yiii" typeface="Microsoft Yi Baiti"/>
+        <a:font script="Tibt" typeface="Microsoft Himalaya"/>
+        <a:font script="Thaa" typeface="MV Boli"/>
+        <a:font script="Deva" typeface="Mangal"/>
+        <a:font script="Telu" typeface="Gautami"/>
+        <a:font script="Taml" typeface="Latha"/>
+        <a:font script="Syrc" typeface="Estrangelo Edessa"/>
+        <a:font script="Orya" typeface="Kalinga"/>
+        <a:font script="Mlym" typeface="Kartika"/>
+        <a:font script="Laoo" typeface="DokChampa"/>
+        <a:font script="Sinh" typeface="Iskoola Pota"/>
+        <a:font script="Mong" typeface="Mongolian Baiti"/>
+        <a:font script="Viet" typeface="Arial"/>
+        <a:font script="Uigh" typeface="Microsoft Uighur"/>
+        <a:font script="Geor" typeface="Sylfaen"/>
+      </a:minorFont>
+    </a:fontScheme>
+    <a:fmtScheme name="Office">
+      <a:fillStyleLst>
+        <a:solidFill>
+          <a:schemeClr val="phClr"/>
+        </a:solidFill>
+        <a:gradFill rotWithShape="1">
+          <a:gsLst>
+            <a:gs pos="0">
+              <a:schemeClr val="phClr">
+                <a:lumMod val="110000"/>
+                <a:satMod val="105000"/>
+                <a:tint val="67000"/>
+              </a:schemeClr>
+            </a:gs>
+            <a:gs pos="50000">
+              <a:schemeClr val="phClr">
+                <a:lumMod val="105000"/>
+                <a:satMod val="103000"/>
+                <a:tint val="73000"/>
+              </a:schemeClr>
+            </a:gs>
+            <a:gs pos="100000">
+              <a:schemeClr val="phClr">
+                <a:lumMod val="105000"/>
+                <a:satMod val="109000"/>
+                <a:tint val="81000"/>
+              </a:schemeClr>
+            </a:gs>
+          </a:gsLst>
+          <a:lin ang="5400000" scaled="0"/>
+        </a:gradFill>
+        <a:gradFill rotWithShape="1">
+          <a:gsLst>
+            <a:gs pos="0">
+              <a:schemeClr val="phClr">
+                <a:satMod val="103000"/>
+                <a:lumMod val="102000"/>
+                <a:tint val="94000"/>
+              </a:schemeClr>
+            </a:gs>
+            <a:gs pos="50000">
+              <a:schemeClr val="phClr">
+                <a:satMod val="110000"/>
+                <a:lumMod val="100000"/>
+                <a:shade val="100000"/>
+              </a:schemeClr>
+            </a:gs>
+            <a:gs pos="100000">
+              <a:schemeClr val="phClr">
+                <a:lumMod val="99000"/>
+                <a:satMod val="120000"/>
+                <a:shade val="78000"/>
+              </a:schemeClr>
+            </a:gs>
+          </a:gsLst>
+          <a:lin ang="5400000" scaled="0"/>
+        </a:gradFill>
+      </a:fillStyleLst>
+      <a:lnStyleLst>
+        <a:ln w="6350" cap="flat" cmpd="sng" algn="ctr">
+          <a:solidFill>
+            <a:schemeClr val="phClr"/>
+          </a:solidFill>
+          <a:prstDash val="solid"/>
+          <a:miter lim="800000"/>
+        </a:ln>
+        <a:ln w="12700" cap="flat" cmpd="sng" algn="ctr">
+          <a:solidFill>
+            <a:schemeClr val="phClr"/>
+          </a:solidFill>
+          <a:prstDash val="solid"/>
+          <a:miter lim="800000"/>
+        </a:ln>
+        <a:ln w="19050" cap="flat" cmpd="sng" algn="ctr">
+          <a:solidFill>
+            <a:schemeClr val="phClr"/>
+          </a:solidFill>
+          <a:prstDash val="solid"/>
+          <a:miter lim="800000"/>
+        </a:ln>
+      </a:lnStyleLst>
+      <a:effectStyleLst>
+        <a:effectStyle>
+          <a:effectLst/>
+        </a:effectStyle>
+        <a:effectStyle>
+          <a:effectLst/>
+        </a:effectStyle>
+        <a:effectStyle>
+          <a:effectLst>
+            <a:outerShdw blurRad="57150" dist="19050" dir="5400000" algn="ctr" rotWithShape="0">
+              <a:srgbClr val="000000">
+                <a:alpha val="63000"/>
+              </a:srgbClr>
+            </a:outerShdw>
+          </a:effectLst>
+        </a:effectStyle>
+      </a:effectStyleLst>
+      <a:bgFillStyleLst>
+        <a:solidFill>
+          <a:schemeClr val="phClr"/>
+        </a:solidFill>
+        <a:solidFill>
+          <a:schemeClr val="phClr">
+            <a:tint val="95000"/>
+            <a:satMod val="170000"/>
+          </a:schemeClr>
+        </a:solidFill>
+        <a:gradFill rotWithShape="1">
+          <a:gsLst>
+            <a:gs pos="0">
+              <a:schemeClr val="phClr">
+                <a:tint val="93000"/>
+                <a:satMod val="150000"/>
+                <a:shade val="98000"/>
+                <a:lumMod val="102000"/>
+              </a:schemeClr>
+            </a:gs>
+            <a:gs pos="50000">
+              <a:schemeClr val="phClr">
+                <a:tint val="98000"/>
+                <a:satMod val="130000"/>
+                <a:shade val="90000"/>
+                <a:lumMod val="103000"/>
+              </a:schemeClr>
+            </a:gs>
+            <a:gs pos="100000">
+              <a:schemeClr val="phClr">
+                <a:shade val="63000"/>
+                <a:satMod val="120000"/>
+              </a:schemeClr>
+            </a:gs>
+          </a:gsLst>
+          <a:lin ang="5400000" scaled="0"/>
+        </a:gradFill>
+      </a:bgFillStyleLst>
+    </a:fmtScheme>
+  </a:themeElements>
+  <a:objectDefaults/>
+  <a:extraClrSchemeLst/>
+  <a:extLst>
+    <a:ext uri="{05A4C25C-085E-4340-85A3-A5531E510DB2}">
+      <thm15:themeFamily xmlns:thm15="http://schemas.microsoft.com/office/thememl/2012/main" name="Office Theme" id="{62F939B6-93AF-4DB8-9C6B-D6C7DFDC589F}" vid="{4A3C46E8-61CC-4603-A589-7422A47A8E4A}"/>
+    </a:ext>
+  </a:extLst>
+</a:theme>
 </file>